--- a/Spring Security-MVC-2.pptx
+++ b/Spring Security-MVC-2.pptx
@@ -6,7 +6,7 @@
     <p:sldMasterId id="2147483660" r:id="rId2"/>
   </p:sldMasterIdLst>
   <p:notesMasterIdLst>
-    <p:notesMasterId r:id="rId14"/>
+    <p:notesMasterId r:id="rId16"/>
   </p:notesMasterIdLst>
   <p:sldIdLst>
     <p:sldId id="256" r:id="rId3"/>
@@ -20,6 +20,8 @@
     <p:sldId id="281" r:id="rId11"/>
     <p:sldId id="282" r:id="rId12"/>
     <p:sldId id="283" r:id="rId13"/>
+    <p:sldId id="284" r:id="rId14"/>
+    <p:sldId id="285" r:id="rId15"/>
   </p:sldIdLst>
   <p:sldSz cx="12192000" cy="6858000"/>
   <p:notesSz cx="6858000" cy="9144000"/>
@@ -8211,12 +8213,12 @@
           <a:p>
             <a:pPr lvl="1"/>
             <a:r>
-              <a:rPr lang="en-IN" b="1" dirty="0" err="1" smtClean="0">
+              <a:rPr lang="en-IN" b="1" smtClean="0">
                 <a:solidFill>
                   <a:srgbClr val="C00000"/>
                 </a:solidFill>
               </a:rPr>
-              <a:t>JdbcAuthentrication</a:t>
+              <a:t>JdbcAuthentication</a:t>
             </a:r>
             <a:r>
               <a:rPr lang="en-IN" b="1" dirty="0" smtClean="0">
@@ -8226,6 +8228,11 @@
               </a:rPr>
               <a:t>  </a:t>
             </a:r>
+            <a:endParaRPr lang="en-IN" b="1" dirty="0" smtClean="0">
+              <a:solidFill>
+                <a:srgbClr val="C00000"/>
+              </a:solidFill>
+            </a:endParaRPr>
           </a:p>
           <a:p>
             <a:pPr lvl="1"/>
@@ -9337,6 +9344,1048 @@
   <p:clrMapOvr>
     <a:masterClrMapping/>
   </p:clrMapOvr>
+  <mc:AlternateContent xmlns:mc="http://schemas.openxmlformats.org/markup-compatibility/2006" xmlns:p14="http://schemas.microsoft.com/office/powerpoint/2010/main">
+    <mc:Choice Requires="p14">
+      <p:transition spd="med" p14:dur="700">
+        <p:fade/>
+      </p:transition>
+    </mc:Choice>
+    <mc:Fallback xmlns="">
+      <p:transition spd="med">
+        <p:fade/>
+      </p:transition>
+    </mc:Fallback>
+  </mc:AlternateContent>
+  <p:timing>
+    <p:tnLst>
+      <p:par>
+        <p:cTn id="1" dur="indefinite" restart="never" nodeType="tmRoot">
+          <p:childTnLst>
+            <p:seq concurrent="1" nextAc="seek">
+              <p:cTn id="2" dur="indefinite" nodeType="mainSeq">
+                <p:childTnLst>
+                  <p:par>
+                    <p:cTn id="3" fill="hold">
+                      <p:stCondLst>
+                        <p:cond delay="indefinite"/>
+                      </p:stCondLst>
+                      <p:childTnLst>
+                        <p:par>
+                          <p:cTn id="4" fill="hold">
+                            <p:stCondLst>
+                              <p:cond delay="0"/>
+                            </p:stCondLst>
+                            <p:childTnLst>
+                              <p:par>
+                                <p:cTn id="5" presetID="2" presetClass="entr" presetSubtype="4" fill="hold" nodeType="clickEffect">
+                                  <p:stCondLst>
+                                    <p:cond delay="0"/>
+                                  </p:stCondLst>
+                                  <p:childTnLst>
+                                    <p:set>
+                                      <p:cBhvr>
+                                        <p:cTn id="6" dur="1" fill="hold">
+                                          <p:stCondLst>
+                                            <p:cond delay="0"/>
+                                          </p:stCondLst>
+                                        </p:cTn>
+                                        <p:tgtEl>
+                                          <p:spTgt spid="6"/>
+                                        </p:tgtEl>
+                                        <p:attrNameLst>
+                                          <p:attrName>style.visibility</p:attrName>
+                                        </p:attrNameLst>
+                                      </p:cBhvr>
+                                      <p:to>
+                                        <p:strVal val="visible"/>
+                                      </p:to>
+                                    </p:set>
+                                    <p:anim calcmode="lin" valueType="num">
+                                      <p:cBhvr additive="base">
+                                        <p:cTn id="7" dur="500" fill="hold"/>
+                                        <p:tgtEl>
+                                          <p:spTgt spid="6"/>
+                                        </p:tgtEl>
+                                        <p:attrNameLst>
+                                          <p:attrName>ppt_x</p:attrName>
+                                        </p:attrNameLst>
+                                      </p:cBhvr>
+                                      <p:tavLst>
+                                        <p:tav tm="0">
+                                          <p:val>
+                                            <p:strVal val="#ppt_x"/>
+                                          </p:val>
+                                        </p:tav>
+                                        <p:tav tm="100000">
+                                          <p:val>
+                                            <p:strVal val="#ppt_x"/>
+                                          </p:val>
+                                        </p:tav>
+                                      </p:tavLst>
+                                    </p:anim>
+                                    <p:anim calcmode="lin" valueType="num">
+                                      <p:cBhvr additive="base">
+                                        <p:cTn id="8" dur="500" fill="hold"/>
+                                        <p:tgtEl>
+                                          <p:spTgt spid="6"/>
+                                        </p:tgtEl>
+                                        <p:attrNameLst>
+                                          <p:attrName>ppt_y</p:attrName>
+                                        </p:attrNameLst>
+                                      </p:cBhvr>
+                                      <p:tavLst>
+                                        <p:tav tm="0">
+                                          <p:val>
+                                            <p:strVal val="1+#ppt_h/2"/>
+                                          </p:val>
+                                        </p:tav>
+                                        <p:tav tm="100000">
+                                          <p:val>
+                                            <p:strVal val="#ppt_y"/>
+                                          </p:val>
+                                        </p:tav>
+                                      </p:tavLst>
+                                    </p:anim>
+                                  </p:childTnLst>
+                                </p:cTn>
+                              </p:par>
+                            </p:childTnLst>
+                          </p:cTn>
+                        </p:par>
+                      </p:childTnLst>
+                    </p:cTn>
+                  </p:par>
+                  <p:par>
+                    <p:cTn id="9" fill="hold">
+                      <p:stCondLst>
+                        <p:cond delay="indefinite"/>
+                      </p:stCondLst>
+                      <p:childTnLst>
+                        <p:par>
+                          <p:cTn id="10" fill="hold">
+                            <p:stCondLst>
+                              <p:cond delay="0"/>
+                            </p:stCondLst>
+                            <p:childTnLst>
+                              <p:par>
+                                <p:cTn id="11" presetID="8" presetClass="emph" presetSubtype="0" fill="hold" nodeType="clickEffect">
+                                  <p:stCondLst>
+                                    <p:cond delay="0"/>
+                                  </p:stCondLst>
+                                  <p:childTnLst>
+                                    <p:animRot by="21600000">
+                                      <p:cBhvr>
+                                        <p:cTn id="12" dur="2000" fill="hold"/>
+                                        <p:tgtEl>
+                                          <p:spTgt spid="6"/>
+                                        </p:tgtEl>
+                                        <p:attrNameLst>
+                                          <p:attrName>r</p:attrName>
+                                        </p:attrNameLst>
+                                      </p:cBhvr>
+                                    </p:animRot>
+                                  </p:childTnLst>
+                                </p:cTn>
+                              </p:par>
+                            </p:childTnLst>
+                          </p:cTn>
+                        </p:par>
+                      </p:childTnLst>
+                    </p:cTn>
+                  </p:par>
+                  <p:par>
+                    <p:cTn id="13" fill="hold">
+                      <p:stCondLst>
+                        <p:cond delay="indefinite"/>
+                      </p:stCondLst>
+                      <p:childTnLst>
+                        <p:par>
+                          <p:cTn id="14" fill="hold">
+                            <p:stCondLst>
+                              <p:cond delay="0"/>
+                            </p:stCondLst>
+                            <p:childTnLst>
+                              <p:par>
+                                <p:cTn id="15" presetID="26" presetClass="exit" presetSubtype="0" fill="hold" nodeType="clickEffect">
+                                  <p:stCondLst>
+                                    <p:cond delay="0"/>
+                                  </p:stCondLst>
+                                  <p:childTnLst>
+                                    <p:animEffect transition="out" filter="wipe(down)">
+                                      <p:cBhvr>
+                                        <p:cTn id="16" dur="180" accel="50000">
+                                          <p:stCondLst>
+                                            <p:cond delay="1820"/>
+                                          </p:stCondLst>
+                                        </p:cTn>
+                                        <p:tgtEl>
+                                          <p:spTgt spid="6"/>
+                                        </p:tgtEl>
+                                      </p:cBhvr>
+                                    </p:animEffect>
+                                    <p:anim calcmode="lin" valueType="num">
+                                      <p:cBhvr>
+                                        <p:cTn id="17" dur="1822" tmFilter="0,0; 0.14,0.31; 0.43,0.73; 0.71,0.91; 1.0,1.0">
+                                          <p:stCondLst>
+                                            <p:cond delay="0"/>
+                                          </p:stCondLst>
+                                        </p:cTn>
+                                        <p:tgtEl>
+                                          <p:spTgt spid="6"/>
+                                        </p:tgtEl>
+                                        <p:attrNameLst>
+                                          <p:attrName>ppt_x</p:attrName>
+                                        </p:attrNameLst>
+                                      </p:cBhvr>
+                                      <p:tavLst>
+                                        <p:tav tm="0">
+                                          <p:val>
+                                            <p:strVal val="ppt_x"/>
+                                          </p:val>
+                                        </p:tav>
+                                        <p:tav tm="100000">
+                                          <p:val>
+                                            <p:strVal val="#ppt_x+0.25"/>
+                                          </p:val>
+                                        </p:tav>
+                                      </p:tavLst>
+                                    </p:anim>
+                                    <p:anim calcmode="lin" valueType="num">
+                                      <p:cBhvr>
+                                        <p:cTn id="18" dur="178">
+                                          <p:stCondLst>
+                                            <p:cond delay="1822"/>
+                                          </p:stCondLst>
+                                        </p:cTn>
+                                        <p:tgtEl>
+                                          <p:spTgt spid="6"/>
+                                        </p:tgtEl>
+                                        <p:attrNameLst>
+                                          <p:attrName>ppt_x</p:attrName>
+                                        </p:attrNameLst>
+                                      </p:cBhvr>
+                                      <p:tavLst>
+                                        <p:tav tm="0">
+                                          <p:val>
+                                            <p:strVal val="ppt_x"/>
+                                          </p:val>
+                                        </p:tav>
+                                        <p:tav tm="100000">
+                                          <p:val>
+                                            <p:strVal val="ppt_x"/>
+                                          </p:val>
+                                        </p:tav>
+                                      </p:tavLst>
+                                    </p:anim>
+                                    <p:anim calcmode="lin" valueType="num">
+                                      <p:cBhvr>
+                                        <p:cTn id="19" dur="664" tmFilter="0.0,0.0;0.25,0.07;0.50,0.2;0.75,0.467;1.0,1.0">
+                                          <p:stCondLst>
+                                            <p:cond delay="0"/>
+                                          </p:stCondLst>
+                                        </p:cTn>
+                                        <p:tgtEl>
+                                          <p:spTgt spid="6"/>
+                                        </p:tgtEl>
+                                        <p:attrNameLst>
+                                          <p:attrName>ppt_y</p:attrName>
+                                        </p:attrNameLst>
+                                      </p:cBhvr>
+                                      <p:tavLst>
+                                        <p:tav tm="0">
+                                          <p:val>
+                                            <p:strVal val="ppt_y"/>
+                                          </p:val>
+                                        </p:tav>
+                                        <p:tav tm="5000">
+                                          <p:val>
+                                            <p:strVal val="ppt_y+0.026"/>
+                                          </p:val>
+                                        </p:tav>
+                                        <p:tav tm="10000">
+                                          <p:val>
+                                            <p:strVal val="ppt_y+0.052"/>
+                                          </p:val>
+                                        </p:tav>
+                                        <p:tav tm="15000">
+                                          <p:val>
+                                            <p:strVal val="ppt_y+0.078"/>
+                                          </p:val>
+                                        </p:tav>
+                                        <p:tav tm="20000">
+                                          <p:val>
+                                            <p:strVal val="ppt_y+0.103"/>
+                                          </p:val>
+                                        </p:tav>
+                                        <p:tav tm="30000">
+                                          <p:val>
+                                            <p:strVal val="ppt_y+0.151"/>
+                                          </p:val>
+                                        </p:tav>
+                                        <p:tav tm="40000">
+                                          <p:val>
+                                            <p:strVal val="ppt_y+0.196"/>
+                                          </p:val>
+                                        </p:tav>
+                                        <p:tav tm="50000">
+                                          <p:val>
+                                            <p:strVal val="ppt_y+0.236"/>
+                                          </p:val>
+                                        </p:tav>
+                                        <p:tav tm="60000">
+                                          <p:val>
+                                            <p:strVal val="ppt_y+0.270"/>
+                                          </p:val>
+                                        </p:tav>
+                                        <p:tav tm="70000">
+                                          <p:val>
+                                            <p:strVal val="ppt_y+0.297"/>
+                                          </p:val>
+                                        </p:tav>
+                                        <p:tav tm="80000">
+                                          <p:val>
+                                            <p:strVal val="ppt_y+0.317"/>
+                                          </p:val>
+                                        </p:tav>
+                                        <p:tav tm="90000">
+                                          <p:val>
+                                            <p:strVal val="ppt_y+0.329"/>
+                                          </p:val>
+                                        </p:tav>
+                                        <p:tav tm="100000">
+                                          <p:val>
+                                            <p:strVal val="ppt_y+0.333"/>
+                                          </p:val>
+                                        </p:tav>
+                                      </p:tavLst>
+                                    </p:anim>
+                                    <p:anim calcmode="lin" valueType="num">
+                                      <p:cBhvr>
+                                        <p:cTn id="20" dur="664" tmFilter="0, 0; 0.125,0.2665; 0.25,0.4; 0.375,0.465; 0.5,0.5;  0.625,0.535; 0.75,0.6; 0.875,0.7335; 1,1">
+                                          <p:stCondLst>
+                                            <p:cond delay="664"/>
+                                          </p:stCondLst>
+                                        </p:cTn>
+                                        <p:tgtEl>
+                                          <p:spTgt spid="6"/>
+                                        </p:tgtEl>
+                                        <p:attrNameLst>
+                                          <p:attrName>ppt_y</p:attrName>
+                                        </p:attrNameLst>
+                                      </p:cBhvr>
+                                      <p:tavLst>
+                                        <p:tav tm="0">
+                                          <p:val>
+                                            <p:strVal val="ppt_y"/>
+                                          </p:val>
+                                        </p:tav>
+                                        <p:tav tm="10000">
+                                          <p:val>
+                                            <p:strVal val="ppt_y-0.034"/>
+                                          </p:val>
+                                        </p:tav>
+                                        <p:tav tm="20000">
+                                          <p:val>
+                                            <p:strVal val="ppt_y-0.065"/>
+                                          </p:val>
+                                        </p:tav>
+                                        <p:tav tm="30000">
+                                          <p:val>
+                                            <p:strVal val="ppt_y-0.090"/>
+                                          </p:val>
+                                        </p:tav>
+                                        <p:tav tm="40000">
+                                          <p:val>
+                                            <p:strVal val="ppt_y-0.106"/>
+                                          </p:val>
+                                        </p:tav>
+                                        <p:tav tm="50000">
+                                          <p:val>
+                                            <p:strVal val="ppt_y-0.111"/>
+                                          </p:val>
+                                        </p:tav>
+                                        <p:tav tm="60000">
+                                          <p:val>
+                                            <p:strVal val="ppt_y-0.106"/>
+                                          </p:val>
+                                        </p:tav>
+                                        <p:tav tm="70000">
+                                          <p:val>
+                                            <p:strVal val="ppt_y-0.090"/>
+                                          </p:val>
+                                        </p:tav>
+                                        <p:tav tm="80000">
+                                          <p:val>
+                                            <p:strVal val="ppt_y-0.065"/>
+                                          </p:val>
+                                        </p:tav>
+                                        <p:tav tm="90000">
+                                          <p:val>
+                                            <p:strVal val="ppt_y-0.034"/>
+                                          </p:val>
+                                        </p:tav>
+                                        <p:tav tm="100000">
+                                          <p:val>
+                                            <p:strVal val="ppt_y"/>
+                                          </p:val>
+                                        </p:tav>
+                                      </p:tavLst>
+                                    </p:anim>
+                                    <p:anim calcmode="lin" valueType="num">
+                                      <p:cBhvr>
+                                        <p:cTn id="21" dur="332" tmFilter="0, 0; 0.125,0.2665; 0.25,0.4; 0.375,0.465; 0.5,0.5;  0.625,0.535; 0.75,0.6; 0.875,0.7335; 1,1">
+                                          <p:stCondLst>
+                                            <p:cond delay="1324"/>
+                                          </p:stCondLst>
+                                        </p:cTn>
+                                        <p:tgtEl>
+                                          <p:spTgt spid="6"/>
+                                        </p:tgtEl>
+                                        <p:attrNameLst>
+                                          <p:attrName>ppt_y</p:attrName>
+                                        </p:attrNameLst>
+                                      </p:cBhvr>
+                                      <p:tavLst>
+                                        <p:tav tm="0">
+                                          <p:val>
+                                            <p:strVal val="ppt_y"/>
+                                          </p:val>
+                                        </p:tav>
+                                        <p:tav tm="10000">
+                                          <p:val>
+                                            <p:strVal val="ppt_y-0.011"/>
+                                          </p:val>
+                                        </p:tav>
+                                        <p:tav tm="20000">
+                                          <p:val>
+                                            <p:strVal val="ppt_y-0.022"/>
+                                          </p:val>
+                                        </p:tav>
+                                        <p:tav tm="30000">
+                                          <p:val>
+                                            <p:strVal val="ppt_y-0.030"/>
+                                          </p:val>
+                                        </p:tav>
+                                        <p:tav tm="40000">
+                                          <p:val>
+                                            <p:strVal val="ppt_y-0.035"/>
+                                          </p:val>
+                                        </p:tav>
+                                        <p:tav tm="50000">
+                                          <p:val>
+                                            <p:strVal val="ppt_y-0.037"/>
+                                          </p:val>
+                                        </p:tav>
+                                        <p:tav tm="60000">
+                                          <p:val>
+                                            <p:strVal val="ppt_y-0.035"/>
+                                          </p:val>
+                                        </p:tav>
+                                        <p:tav tm="70000">
+                                          <p:val>
+                                            <p:strVal val="ppt_y-0.030"/>
+                                          </p:val>
+                                        </p:tav>
+                                        <p:tav tm="80000">
+                                          <p:val>
+                                            <p:strVal val="ppt_y-0.022"/>
+                                          </p:val>
+                                        </p:tav>
+                                        <p:tav tm="90000">
+                                          <p:val>
+                                            <p:strVal val="ppt_y-0.011"/>
+                                          </p:val>
+                                        </p:tav>
+                                        <p:tav tm="100000">
+                                          <p:val>
+                                            <p:strVal val="ppt_y"/>
+                                          </p:val>
+                                        </p:tav>
+                                      </p:tavLst>
+                                    </p:anim>
+                                    <p:anim calcmode="lin" valueType="num">
+                                      <p:cBhvr>
+                                        <p:cTn id="22" dur="164" tmFilter="0, 0; 0.125,0.2665; 0.25,0.4; 0.375,0.465; 0.5,0.5;  0.625,0.535; 0.75,0.6; 0.875,0.7335; 1,1">
+                                          <p:stCondLst>
+                                            <p:cond delay="1656"/>
+                                          </p:stCondLst>
+                                        </p:cTn>
+                                        <p:tgtEl>
+                                          <p:spTgt spid="6"/>
+                                        </p:tgtEl>
+                                        <p:attrNameLst>
+                                          <p:attrName>ppt_y</p:attrName>
+                                        </p:attrNameLst>
+                                      </p:cBhvr>
+                                      <p:tavLst>
+                                        <p:tav tm="0">
+                                          <p:val>
+                                            <p:strVal val="ppt_y"/>
+                                          </p:val>
+                                        </p:tav>
+                                        <p:tav tm="10000">
+                                          <p:val>
+                                            <p:strVal val="ppt_y-0.004"/>
+                                          </p:val>
+                                        </p:tav>
+                                        <p:tav tm="20000">
+                                          <p:val>
+                                            <p:strVal val="ppt_y-0.007"/>
+                                          </p:val>
+                                        </p:tav>
+                                        <p:tav tm="30000">
+                                          <p:val>
+                                            <p:strVal val="ppt_y-0.010"/>
+                                          </p:val>
+                                        </p:tav>
+                                        <p:tav tm="40000">
+                                          <p:val>
+                                            <p:strVal val="ppt_y-0.012"/>
+                                          </p:val>
+                                        </p:tav>
+                                        <p:tav tm="50000">
+                                          <p:val>
+                                            <p:strVal val="ppt_y-0.0123"/>
+                                          </p:val>
+                                        </p:tav>
+                                        <p:tav tm="60000">
+                                          <p:val>
+                                            <p:strVal val="ppt_y-0.012"/>
+                                          </p:val>
+                                        </p:tav>
+                                        <p:tav tm="70000">
+                                          <p:val>
+                                            <p:strVal val="ppt_y-0.010"/>
+                                          </p:val>
+                                        </p:tav>
+                                        <p:tav tm="80000">
+                                          <p:val>
+                                            <p:strVal val="ppt_y-0.007"/>
+                                          </p:val>
+                                        </p:tav>
+                                        <p:tav tm="90000">
+                                          <p:val>
+                                            <p:strVal val="ppt_y-0.004"/>
+                                          </p:val>
+                                        </p:tav>
+                                        <p:tav tm="100000">
+                                          <p:val>
+                                            <p:strVal val="ppt_y"/>
+                                          </p:val>
+                                        </p:tav>
+                                      </p:tavLst>
+                                    </p:anim>
+                                    <p:anim calcmode="lin" valueType="num">
+                                      <p:cBhvr>
+                                        <p:cTn id="23" dur="180" accel="50000">
+                                          <p:stCondLst>
+                                            <p:cond delay="1820"/>
+                                          </p:stCondLst>
+                                        </p:cTn>
+                                        <p:tgtEl>
+                                          <p:spTgt spid="6"/>
+                                        </p:tgtEl>
+                                        <p:attrNameLst>
+                                          <p:attrName>ppt_y</p:attrName>
+                                        </p:attrNameLst>
+                                      </p:cBhvr>
+                                      <p:tavLst>
+                                        <p:tav tm="0">
+                                          <p:val>
+                                            <p:strVal val="ppt_y"/>
+                                          </p:val>
+                                        </p:tav>
+                                        <p:tav tm="100000">
+                                          <p:val>
+                                            <p:strVal val="ppt_y+ppt_h"/>
+                                          </p:val>
+                                        </p:tav>
+                                      </p:tavLst>
+                                    </p:anim>
+                                    <p:animScale>
+                                      <p:cBhvr>
+                                        <p:cTn id="24" dur="26">
+                                          <p:stCondLst>
+                                            <p:cond delay="620"/>
+                                          </p:stCondLst>
+                                        </p:cTn>
+                                        <p:tgtEl>
+                                          <p:spTgt spid="6"/>
+                                        </p:tgtEl>
+                                      </p:cBhvr>
+                                      <p:to x="100000" y="60000"/>
+                                    </p:animScale>
+                                    <p:animScale>
+                                      <p:cBhvr>
+                                        <p:cTn id="25" dur="166" decel="50000">
+                                          <p:stCondLst>
+                                            <p:cond delay="646"/>
+                                          </p:stCondLst>
+                                        </p:cTn>
+                                        <p:tgtEl>
+                                          <p:spTgt spid="6"/>
+                                        </p:tgtEl>
+                                      </p:cBhvr>
+                                      <p:to x="100000" y="100000"/>
+                                    </p:animScale>
+                                    <p:animScale>
+                                      <p:cBhvr>
+                                        <p:cTn id="26" dur="26">
+                                          <p:stCondLst>
+                                            <p:cond delay="1312"/>
+                                          </p:stCondLst>
+                                        </p:cTn>
+                                        <p:tgtEl>
+                                          <p:spTgt spid="6"/>
+                                        </p:tgtEl>
+                                      </p:cBhvr>
+                                      <p:to x="100000" y="80000"/>
+                                    </p:animScale>
+                                    <p:animScale>
+                                      <p:cBhvr>
+                                        <p:cTn id="27" dur="166" decel="50000">
+                                          <p:stCondLst>
+                                            <p:cond delay="1338"/>
+                                          </p:stCondLst>
+                                        </p:cTn>
+                                        <p:tgtEl>
+                                          <p:spTgt spid="6"/>
+                                        </p:tgtEl>
+                                      </p:cBhvr>
+                                      <p:to x="100000" y="100000"/>
+                                    </p:animScale>
+                                    <p:animScale>
+                                      <p:cBhvr>
+                                        <p:cTn id="28" dur="26">
+                                          <p:stCondLst>
+                                            <p:cond delay="1642"/>
+                                          </p:stCondLst>
+                                        </p:cTn>
+                                        <p:tgtEl>
+                                          <p:spTgt spid="6"/>
+                                        </p:tgtEl>
+                                      </p:cBhvr>
+                                      <p:to x="100000" y="90000"/>
+                                    </p:animScale>
+                                    <p:animScale>
+                                      <p:cBhvr>
+                                        <p:cTn id="29" dur="166" decel="50000">
+                                          <p:stCondLst>
+                                            <p:cond delay="1668"/>
+                                          </p:stCondLst>
+                                        </p:cTn>
+                                        <p:tgtEl>
+                                          <p:spTgt spid="6"/>
+                                        </p:tgtEl>
+                                      </p:cBhvr>
+                                      <p:to x="100000" y="100000"/>
+                                    </p:animScale>
+                                    <p:animScale>
+                                      <p:cBhvr>
+                                        <p:cTn id="30" dur="26">
+                                          <p:stCondLst>
+                                            <p:cond delay="1808"/>
+                                          </p:stCondLst>
+                                        </p:cTn>
+                                        <p:tgtEl>
+                                          <p:spTgt spid="6"/>
+                                        </p:tgtEl>
+                                      </p:cBhvr>
+                                      <p:to x="100000" y="95000"/>
+                                    </p:animScale>
+                                    <p:animScale>
+                                      <p:cBhvr>
+                                        <p:cTn id="31" dur="166" decel="50000">
+                                          <p:stCondLst>
+                                            <p:cond delay="1834"/>
+                                          </p:stCondLst>
+                                        </p:cTn>
+                                        <p:tgtEl>
+                                          <p:spTgt spid="6"/>
+                                        </p:tgtEl>
+                                      </p:cBhvr>
+                                      <p:to x="100000" y="100000"/>
+                                    </p:animScale>
+                                    <p:set>
+                                      <p:cBhvr>
+                                        <p:cTn id="32" dur="1" fill="hold">
+                                          <p:stCondLst>
+                                            <p:cond delay="1999"/>
+                                          </p:stCondLst>
+                                        </p:cTn>
+                                        <p:tgtEl>
+                                          <p:spTgt spid="6"/>
+                                        </p:tgtEl>
+                                        <p:attrNameLst>
+                                          <p:attrName>style.visibility</p:attrName>
+                                        </p:attrNameLst>
+                                      </p:cBhvr>
+                                      <p:to>
+                                        <p:strVal val="hidden"/>
+                                      </p:to>
+                                    </p:set>
+                                  </p:childTnLst>
+                                </p:cTn>
+                              </p:par>
+                            </p:childTnLst>
+                          </p:cTn>
+                        </p:par>
+                      </p:childTnLst>
+                    </p:cTn>
+                  </p:par>
+                  <p:par>
+                    <p:cTn id="33" fill="hold">
+                      <p:stCondLst>
+                        <p:cond delay="indefinite"/>
+                      </p:stCondLst>
+                      <p:childTnLst>
+                        <p:par>
+                          <p:cTn id="34" fill="hold">
+                            <p:stCondLst>
+                              <p:cond delay="0"/>
+                            </p:stCondLst>
+                            <p:childTnLst>
+                              <p:par>
+                                <p:cTn id="35" presetID="16" presetClass="entr" presetSubtype="21" fill="hold" nodeType="clickEffect">
+                                  <p:stCondLst>
+                                    <p:cond delay="0"/>
+                                  </p:stCondLst>
+                                  <p:childTnLst>
+                                    <p:set>
+                                      <p:cBhvr>
+                                        <p:cTn id="36" dur="1" fill="hold">
+                                          <p:stCondLst>
+                                            <p:cond delay="0"/>
+                                          </p:stCondLst>
+                                        </p:cTn>
+                                        <p:tgtEl>
+                                          <p:spTgt spid="7"/>
+                                        </p:tgtEl>
+                                        <p:attrNameLst>
+                                          <p:attrName>style.visibility</p:attrName>
+                                        </p:attrNameLst>
+                                      </p:cBhvr>
+                                      <p:to>
+                                        <p:strVal val="visible"/>
+                                      </p:to>
+                                    </p:set>
+                                    <p:animEffect transition="in" filter="barn(inVertical)">
+                                      <p:cBhvr>
+                                        <p:cTn id="37" dur="500"/>
+                                        <p:tgtEl>
+                                          <p:spTgt spid="7"/>
+                                        </p:tgtEl>
+                                      </p:cBhvr>
+                                    </p:animEffect>
+                                  </p:childTnLst>
+                                </p:cTn>
+                              </p:par>
+                            </p:childTnLst>
+                          </p:cTn>
+                        </p:par>
+                      </p:childTnLst>
+                    </p:cTn>
+                  </p:par>
+                </p:childTnLst>
+              </p:cTn>
+              <p:prevCondLst>
+                <p:cond evt="onPrev" delay="0">
+                  <p:tgtEl>
+                    <p:sldTgt/>
+                  </p:tgtEl>
+                </p:cond>
+              </p:prevCondLst>
+              <p:nextCondLst>
+                <p:cond evt="onNext" delay="0">
+                  <p:tgtEl>
+                    <p:sldTgt/>
+                  </p:tgtEl>
+                </p:cond>
+              </p:nextCondLst>
+            </p:seq>
+          </p:childTnLst>
+        </p:cTn>
+      </p:par>
+    </p:tnLst>
+  </p:timing>
+</p:sld>
+</file>
+
+<file path=ppt/slides/slide12.xml><?xml version="1.0" encoding="utf-8"?>
+<p:sld xmlns:a="http://schemas.openxmlformats.org/drawingml/2006/main" xmlns:r="http://schemas.openxmlformats.org/officeDocument/2006/relationships" xmlns:p="http://schemas.openxmlformats.org/presentationml/2006/main">
+  <p:cSld>
+    <p:spTree>
+      <p:nvGrpSpPr>
+        <p:cNvPr id="1" name=""/>
+        <p:cNvGrpSpPr/>
+        <p:nvPr/>
+      </p:nvGrpSpPr>
+      <p:grpSpPr>
+        <a:xfrm>
+          <a:off x="0" y="0"/>
+          <a:ext cx="0" cy="0"/>
+          <a:chOff x="0" y="0"/>
+          <a:chExt cx="0" cy="0"/>
+        </a:xfrm>
+      </p:grpSpPr>
+      <p:sp>
+        <p:nvSpPr>
+          <p:cNvPr id="2" name="Title 1"/>
+          <p:cNvSpPr>
+            <a:spLocks noGrp="1"/>
+          </p:cNvSpPr>
+          <p:nvPr>
+            <p:ph type="title"/>
+          </p:nvPr>
+        </p:nvSpPr>
+        <p:spPr/>
+        <p:txBody>
+          <a:bodyPr/>
+          <a:lstStyle/>
+          <a:p>
+            <a:r>
+              <a:rPr lang="en-IN" dirty="0" smtClean="0"/>
+              <a:t>Securing View by Spring TAGLIB</a:t>
+            </a:r>
+            <a:endParaRPr lang="en-IN" dirty="0"/>
+          </a:p>
+        </p:txBody>
+      </p:sp>
+      <p:sp>
+        <p:nvSpPr>
+          <p:cNvPr id="3" name="Content Placeholder 2"/>
+          <p:cNvSpPr>
+            <a:spLocks noGrp="1"/>
+          </p:cNvSpPr>
+          <p:nvPr>
+            <p:ph idx="1"/>
+          </p:nvPr>
+        </p:nvSpPr>
+        <p:spPr/>
+        <p:txBody>
+          <a:bodyPr/>
+          <a:lstStyle/>
+          <a:p>
+            <a:r>
+              <a:rPr lang="en-IN" dirty="0" smtClean="0"/>
+              <a:t>In previous example, for all users the hyperlinks were display</a:t>
+            </a:r>
+          </a:p>
+          <a:p>
+            <a:pPr lvl="1"/>
+            <a:r>
+              <a:rPr lang="en-IN" dirty="0" smtClean="0"/>
+              <a:t>They were, however, not accessible unless you were logged in as ADMIM</a:t>
+            </a:r>
+            <a:endParaRPr lang="en-IN" dirty="0"/>
+          </a:p>
+          <a:p>
+            <a:r>
+              <a:rPr lang="en-IN" dirty="0" smtClean="0"/>
+              <a:t>But, you might have to render the View according to ROLE of the user</a:t>
+            </a:r>
+          </a:p>
+          <a:p>
+            <a:pPr lvl="1"/>
+            <a:r>
+              <a:rPr lang="en-IN" dirty="0" smtClean="0"/>
+              <a:t>Add Spring Security TAG library</a:t>
+            </a:r>
+          </a:p>
+          <a:p>
+            <a:pPr marL="393192" lvl="1" indent="0">
+              <a:buNone/>
+            </a:pPr>
+            <a:endParaRPr lang="en-IN" dirty="0" smtClean="0"/>
+          </a:p>
+          <a:p>
+            <a:pPr marL="393192" lvl="1" indent="0">
+              <a:buNone/>
+            </a:pPr>
+            <a:endParaRPr lang="en-IN" dirty="0"/>
+          </a:p>
+        </p:txBody>
+      </p:sp>
+      <p:sp>
+        <p:nvSpPr>
+          <p:cNvPr id="4" name="Footer Placeholder 3"/>
+          <p:cNvSpPr>
+            <a:spLocks noGrp="1"/>
+          </p:cNvSpPr>
+          <p:nvPr>
+            <p:ph type="ftr" sz="quarter" idx="11"/>
+          </p:nvPr>
+        </p:nvSpPr>
+        <p:spPr/>
+        <p:txBody>
+          <a:bodyPr/>
+          <a:lstStyle/>
+          <a:p>
+            <a:r>
+              <a:rPr lang="en-US" smtClean="0">
+                <a:solidFill>
+                  <a:prstClr val="black"/>
+                </a:solidFill>
+              </a:rPr>
+              <a:t>https://github.com/trainerpb</a:t>
+            </a:r>
+            <a:endParaRPr lang="en-US" dirty="0">
+              <a:solidFill>
+                <a:prstClr val="black"/>
+              </a:solidFill>
+            </a:endParaRPr>
+          </a:p>
+        </p:txBody>
+      </p:sp>
+      <p:sp>
+        <p:nvSpPr>
+          <p:cNvPr id="5" name="Slide Number Placeholder 4"/>
+          <p:cNvSpPr>
+            <a:spLocks noGrp="1"/>
+          </p:cNvSpPr>
+          <p:nvPr>
+            <p:ph type="sldNum" sz="quarter" idx="12"/>
+          </p:nvPr>
+        </p:nvSpPr>
+        <p:spPr/>
+        <p:txBody>
+          <a:bodyPr/>
+          <a:lstStyle/>
+          <a:p>
+            <a:fld id="{401CF334-2D5C-4859-84A6-CA7E6E43FAEB}" type="slidenum">
+              <a:rPr lang="en-US" smtClean="0">
+                <a:solidFill>
+                  <a:prstClr val="black"/>
+                </a:solidFill>
+              </a:rPr>
+              <a:pPr/>
+              <a:t>12</a:t>
+            </a:fld>
+            <a:endParaRPr lang="en-US">
+              <a:solidFill>
+                <a:prstClr val="black"/>
+              </a:solidFill>
+            </a:endParaRPr>
+          </a:p>
+        </p:txBody>
+      </p:sp>
+      <p:pic>
+        <p:nvPicPr>
+          <p:cNvPr id="6" name="Picture 5"/>
+          <p:cNvPicPr>
+            <a:picLocks noChangeAspect="1"/>
+          </p:cNvPicPr>
+          <p:nvPr/>
+        </p:nvPicPr>
+        <p:blipFill>
+          <a:blip r:embed="rId2"/>
+          <a:stretch>
+            <a:fillRect/>
+          </a:stretch>
+        </p:blipFill>
+        <p:spPr>
+          <a:xfrm>
+            <a:off x="6095999" y="3330081"/>
+            <a:ext cx="5864450" cy="1260000"/>
+          </a:xfrm>
+          <a:prstGeom prst="rect">
+            <a:avLst/>
+          </a:prstGeom>
+        </p:spPr>
+      </p:pic>
+      <p:pic>
+        <p:nvPicPr>
+          <p:cNvPr id="7" name="Picture 6"/>
+          <p:cNvPicPr>
+            <a:picLocks noChangeAspect="1"/>
+          </p:cNvPicPr>
+          <p:nvPr/>
+        </p:nvPicPr>
+        <p:blipFill>
+          <a:blip r:embed="rId3"/>
+          <a:stretch>
+            <a:fillRect/>
+          </a:stretch>
+        </p:blipFill>
+        <p:spPr>
+          <a:xfrm>
+            <a:off x="1142798" y="4599323"/>
+            <a:ext cx="9648825" cy="285750"/>
+          </a:xfrm>
+          <a:prstGeom prst="rect">
+            <a:avLst/>
+          </a:prstGeom>
+          <a:ln>
+            <a:solidFill>
+              <a:srgbClr val="FF0000"/>
+            </a:solidFill>
+          </a:ln>
+        </p:spPr>
+      </p:pic>
+      <p:pic>
+        <p:nvPicPr>
+          <p:cNvPr id="8" name="Picture 7"/>
+          <p:cNvPicPr>
+            <a:picLocks noChangeAspect="1"/>
+          </p:cNvPicPr>
+          <p:nvPr/>
+        </p:nvPicPr>
+        <p:blipFill>
+          <a:blip r:embed="rId4"/>
+          <a:stretch>
+            <a:fillRect/>
+          </a:stretch>
+        </p:blipFill>
+        <p:spPr>
+          <a:xfrm>
+            <a:off x="1016000" y="5072144"/>
+            <a:ext cx="5754362" cy="1470324"/>
+          </a:xfrm>
+          <a:prstGeom prst="rect">
+            <a:avLst/>
+          </a:prstGeom>
+          <a:solidFill>
+            <a:srgbClr val="FFFFFF">
+              <a:shade val="85000"/>
+            </a:srgbClr>
+          </a:solidFill>
+          <a:ln w="88900" cap="sq">
+            <a:solidFill>
+              <a:srgbClr val="FFFFFF"/>
+            </a:solidFill>
+            <a:miter lim="800000"/>
+          </a:ln>
+          <a:effectLst>
+            <a:outerShdw blurRad="55000" dist="18000" dir="5400000" algn="tl" rotWithShape="0">
+              <a:srgbClr val="000000">
+                <a:alpha val="40000"/>
+              </a:srgbClr>
+            </a:outerShdw>
+          </a:effectLst>
+          <a:scene3d>
+            <a:camera prst="orthographicFront"/>
+            <a:lightRig rig="twoPt" dir="t">
+              <a:rot lat="0" lon="0" rev="7200000"/>
+            </a:lightRig>
+          </a:scene3d>
+          <a:sp3d>
+            <a:bevelT w="25400" h="19050"/>
+            <a:contourClr>
+              <a:srgbClr val="FFFFFF"/>
+            </a:contourClr>
+          </a:sp3d>
+        </p:spPr>
+      </p:pic>
+    </p:spTree>
+    <p:extLst>
+      <p:ext uri="{BB962C8B-B14F-4D97-AF65-F5344CB8AC3E}">
+        <p14:creationId xmlns:p14="http://schemas.microsoft.com/office/powerpoint/2010/main" val="2583616270"/>
+      </p:ext>
+    </p:extLst>
+  </p:cSld>
+  <p:clrMapOvr>
+    <a:masterClrMapping/>
+  </p:clrMapOvr>
   <mc:AlternateContent xmlns:mc="http://schemas.openxmlformats.org/markup-compatibility/2006">
     <mc:Choice xmlns:p14="http://schemas.microsoft.com/office/powerpoint/2010/main" Requires="p14">
       <p:transition spd="med" p14:dur="700">
@@ -9383,7 +10432,11 @@
                                           </p:stCondLst>
                                         </p:cTn>
                                         <p:tgtEl>
-                                          <p:spTgt spid="6"/>
+                                          <p:spTgt spid="3">
+                                            <p:txEl>
+                                              <p:pRg st="0" end="0"/>
+                                            </p:txEl>
+                                          </p:spTgt>
                                         </p:tgtEl>
                                         <p:attrNameLst>
                                           <p:attrName>style.visibility</p:attrName>
@@ -9397,7 +10450,11 @@
                                       <p:cBhvr additive="base">
                                         <p:cTn id="7" dur="500" fill="hold"/>
                                         <p:tgtEl>
-                                          <p:spTgt spid="6"/>
+                                          <p:spTgt spid="3">
+                                            <p:txEl>
+                                              <p:pRg st="0" end="0"/>
+                                            </p:txEl>
+                                          </p:spTgt>
                                         </p:tgtEl>
                                         <p:attrNameLst>
                                           <p:attrName>ppt_x</p:attrName>
@@ -9420,7 +10477,11 @@
                                       <p:cBhvr additive="base">
                                         <p:cTn id="8" dur="500" fill="hold"/>
                                         <p:tgtEl>
-                                          <p:spTgt spid="6"/>
+                                          <p:spTgt spid="3">
+                                            <p:txEl>
+                                              <p:pRg st="0" end="0"/>
+                                            </p:txEl>
+                                          </p:spTgt>
                                         </p:tgtEl>
                                         <p:attrNameLst>
                                           <p:attrName>ppt_y</p:attrName>
@@ -9461,22 +10522,99 @@
                             </p:stCondLst>
                             <p:childTnLst>
                               <p:par>
-                                <p:cTn id="11" presetID="8" presetClass="emph" presetSubtype="0" fill="hold" nodeType="clickEffect">
+                                <p:cTn id="11" presetID="42" presetClass="entr" presetSubtype="0" fill="hold" nodeType="clickEffect">
                                   <p:stCondLst>
                                     <p:cond delay="0"/>
                                   </p:stCondLst>
                                   <p:childTnLst>
-                                    <p:animRot by="21600000">
-                                      <p:cBhvr>
-                                        <p:cTn id="12" dur="2000" fill="hold"/>
-                                        <p:tgtEl>
-                                          <p:spTgt spid="6"/>
+                                    <p:set>
+                                      <p:cBhvr>
+                                        <p:cTn id="12" dur="1" fill="hold">
+                                          <p:stCondLst>
+                                            <p:cond delay="0"/>
+                                          </p:stCondLst>
+                                        </p:cTn>
+                                        <p:tgtEl>
+                                          <p:spTgt spid="3">
+                                            <p:txEl>
+                                              <p:pRg st="1" end="1"/>
+                                            </p:txEl>
+                                          </p:spTgt>
                                         </p:tgtEl>
                                         <p:attrNameLst>
-                                          <p:attrName>r</p:attrName>
+                                          <p:attrName>style.visibility</p:attrName>
                                         </p:attrNameLst>
                                       </p:cBhvr>
-                                    </p:animRot>
+                                      <p:to>
+                                        <p:strVal val="visible"/>
+                                      </p:to>
+                                    </p:set>
+                                    <p:animEffect transition="in" filter="fade">
+                                      <p:cBhvr>
+                                        <p:cTn id="13" dur="1000"/>
+                                        <p:tgtEl>
+                                          <p:spTgt spid="3">
+                                            <p:txEl>
+                                              <p:pRg st="1" end="1"/>
+                                            </p:txEl>
+                                          </p:spTgt>
+                                        </p:tgtEl>
+                                      </p:cBhvr>
+                                    </p:animEffect>
+                                    <p:anim calcmode="lin" valueType="num">
+                                      <p:cBhvr>
+                                        <p:cTn id="14" dur="1000" fill="hold"/>
+                                        <p:tgtEl>
+                                          <p:spTgt spid="3">
+                                            <p:txEl>
+                                              <p:pRg st="1" end="1"/>
+                                            </p:txEl>
+                                          </p:spTgt>
+                                        </p:tgtEl>
+                                        <p:attrNameLst>
+                                          <p:attrName>ppt_x</p:attrName>
+                                        </p:attrNameLst>
+                                      </p:cBhvr>
+                                      <p:tavLst>
+                                        <p:tav tm="0">
+                                          <p:val>
+                                            <p:strVal val="#ppt_x"/>
+                                          </p:val>
+                                        </p:tav>
+                                        <p:tav tm="100000">
+                                          <p:val>
+                                            <p:strVal val="#ppt_x"/>
+                                          </p:val>
+                                        </p:tav>
+                                      </p:tavLst>
+                                    </p:anim>
+                                    <p:anim calcmode="lin" valueType="num">
+                                      <p:cBhvr>
+                                        <p:cTn id="15" dur="1000" fill="hold"/>
+                                        <p:tgtEl>
+                                          <p:spTgt spid="3">
+                                            <p:txEl>
+                                              <p:pRg st="1" end="1"/>
+                                            </p:txEl>
+                                          </p:spTgt>
+                                        </p:tgtEl>
+                                        <p:attrNameLst>
+                                          <p:attrName>ppt_y</p:attrName>
+                                        </p:attrNameLst>
+                                      </p:cBhvr>
+                                      <p:tavLst>
+                                        <p:tav tm="0">
+                                          <p:val>
+                                            <p:strVal val="#ppt_y+.1"/>
+                                          </p:val>
+                                        </p:tav>
+                                        <p:tav tm="100000">
+                                          <p:val>
+                                            <p:strVal val="#ppt_y"/>
+                                          </p:val>
+                                        </p:tav>
+                                      </p:tavLst>
+                                    </p:anim>
                                   </p:childTnLst>
                                 </p:cTn>
                               </p:par>
@@ -9487,44 +10625,54 @@
                     </p:cTn>
                   </p:par>
                   <p:par>
-                    <p:cTn id="13" fill="hold">
+                    <p:cTn id="16" fill="hold">
                       <p:stCondLst>
                         <p:cond delay="indefinite"/>
                       </p:stCondLst>
                       <p:childTnLst>
                         <p:par>
-                          <p:cTn id="14" fill="hold">
+                          <p:cTn id="17" fill="hold">
                             <p:stCondLst>
                               <p:cond delay="0"/>
                             </p:stCondLst>
                             <p:childTnLst>
                               <p:par>
-                                <p:cTn id="15" presetID="26" presetClass="exit" presetSubtype="0" fill="hold" nodeType="clickEffect">
+                                <p:cTn id="18" presetID="2" presetClass="entr" presetSubtype="4" fill="hold" nodeType="clickEffect">
                                   <p:stCondLst>
                                     <p:cond delay="0"/>
                                   </p:stCondLst>
                                   <p:childTnLst>
-                                    <p:animEffect transition="out" filter="wipe(down)">
-                                      <p:cBhvr>
-                                        <p:cTn id="16" dur="180" accel="50000">
-                                          <p:stCondLst>
-                                            <p:cond delay="1820"/>
-                                          </p:stCondLst>
-                                        </p:cTn>
-                                        <p:tgtEl>
-                                          <p:spTgt spid="6"/>
-                                        </p:tgtEl>
-                                      </p:cBhvr>
-                                    </p:animEffect>
-                                    <p:anim calcmode="lin" valueType="num">
-                                      <p:cBhvr>
-                                        <p:cTn id="17" dur="1822" tmFilter="0,0; 0.14,0.31; 0.43,0.73; 0.71,0.91; 1.0,1.0">
+                                    <p:set>
+                                      <p:cBhvr>
+                                        <p:cTn id="19" dur="1" fill="hold">
                                           <p:stCondLst>
                                             <p:cond delay="0"/>
                                           </p:stCondLst>
                                         </p:cTn>
                                         <p:tgtEl>
-                                          <p:spTgt spid="6"/>
+                                          <p:spTgt spid="3">
+                                            <p:txEl>
+                                              <p:pRg st="2" end="2"/>
+                                            </p:txEl>
+                                          </p:spTgt>
+                                        </p:tgtEl>
+                                        <p:attrNameLst>
+                                          <p:attrName>style.visibility</p:attrName>
+                                        </p:attrNameLst>
+                                      </p:cBhvr>
+                                      <p:to>
+                                        <p:strVal val="visible"/>
+                                      </p:to>
+                                    </p:set>
+                                    <p:anim calcmode="lin" valueType="num">
+                                      <p:cBhvr additive="base">
+                                        <p:cTn id="20" dur="500" fill="hold"/>
+                                        <p:tgtEl>
+                                          <p:spTgt spid="3">
+                                            <p:txEl>
+                                              <p:pRg st="2" end="2"/>
+                                            </p:txEl>
+                                          </p:spTgt>
                                         </p:tgtEl>
                                         <p:attrNameLst>
                                           <p:attrName>ppt_x</p:attrName>
@@ -9533,52 +10681,25 @@
                                       <p:tavLst>
                                         <p:tav tm="0">
                                           <p:val>
-                                            <p:strVal val="ppt_x"/>
+                                            <p:strVal val="#ppt_x"/>
                                           </p:val>
                                         </p:tav>
                                         <p:tav tm="100000">
                                           <p:val>
-                                            <p:strVal val="#ppt_x+0.25"/>
+                                            <p:strVal val="#ppt_x"/>
                                           </p:val>
                                         </p:tav>
                                       </p:tavLst>
                                     </p:anim>
                                     <p:anim calcmode="lin" valueType="num">
-                                      <p:cBhvr>
-                                        <p:cTn id="18" dur="178">
-                                          <p:stCondLst>
-                                            <p:cond delay="1822"/>
-                                          </p:stCondLst>
-                                        </p:cTn>
-                                        <p:tgtEl>
-                                          <p:spTgt spid="6"/>
-                                        </p:tgtEl>
-                                        <p:attrNameLst>
-                                          <p:attrName>ppt_x</p:attrName>
-                                        </p:attrNameLst>
-                                      </p:cBhvr>
-                                      <p:tavLst>
-                                        <p:tav tm="0">
-                                          <p:val>
-                                            <p:strVal val="ppt_x"/>
-                                          </p:val>
-                                        </p:tav>
-                                        <p:tav tm="100000">
-                                          <p:val>
-                                            <p:strVal val="ppt_x"/>
-                                          </p:val>
-                                        </p:tav>
-                                      </p:tavLst>
-                                    </p:anim>
-                                    <p:anim calcmode="lin" valueType="num">
-                                      <p:cBhvr>
-                                        <p:cTn id="19" dur="664" tmFilter="0.0,0.0;0.25,0.07;0.50,0.2;0.75,0.467;1.0,1.0">
-                                          <p:stCondLst>
-                                            <p:cond delay="0"/>
-                                          </p:stCondLst>
-                                        </p:cTn>
-                                        <p:tgtEl>
-                                          <p:spTgt spid="6"/>
+                                      <p:cBhvr additive="base">
+                                        <p:cTn id="21" dur="500" fill="hold"/>
+                                        <p:tgtEl>
+                                          <p:spTgt spid="3">
+                                            <p:txEl>
+                                              <p:pRg st="2" end="2"/>
+                                            </p:txEl>
+                                          </p:spTgt>
                                         </p:tgtEl>
                                         <p:attrNameLst>
                                           <p:attrName>ppt_y</p:attrName>
@@ -9587,436 +10708,16 @@
                                       <p:tavLst>
                                         <p:tav tm="0">
                                           <p:val>
-                                            <p:strVal val="ppt_y"/>
-                                          </p:val>
-                                        </p:tav>
-                                        <p:tav tm="5000">
-                                          <p:val>
-                                            <p:strVal val="ppt_y+0.026"/>
-                                          </p:val>
-                                        </p:tav>
-                                        <p:tav tm="10000">
-                                          <p:val>
-                                            <p:strVal val="ppt_y+0.052"/>
-                                          </p:val>
-                                        </p:tav>
-                                        <p:tav tm="15000">
-                                          <p:val>
-                                            <p:strVal val="ppt_y+0.078"/>
-                                          </p:val>
-                                        </p:tav>
-                                        <p:tav tm="20000">
-                                          <p:val>
-                                            <p:strVal val="ppt_y+0.103"/>
-                                          </p:val>
-                                        </p:tav>
-                                        <p:tav tm="30000">
-                                          <p:val>
-                                            <p:strVal val="ppt_y+0.151"/>
-                                          </p:val>
-                                        </p:tav>
-                                        <p:tav tm="40000">
-                                          <p:val>
-                                            <p:strVal val="ppt_y+0.196"/>
-                                          </p:val>
-                                        </p:tav>
-                                        <p:tav tm="50000">
-                                          <p:val>
-                                            <p:strVal val="ppt_y+0.236"/>
-                                          </p:val>
-                                        </p:tav>
-                                        <p:tav tm="60000">
-                                          <p:val>
-                                            <p:strVal val="ppt_y+0.270"/>
-                                          </p:val>
-                                        </p:tav>
-                                        <p:tav tm="70000">
-                                          <p:val>
-                                            <p:strVal val="ppt_y+0.297"/>
-                                          </p:val>
-                                        </p:tav>
-                                        <p:tav tm="80000">
-                                          <p:val>
-                                            <p:strVal val="ppt_y+0.317"/>
-                                          </p:val>
-                                        </p:tav>
-                                        <p:tav tm="90000">
-                                          <p:val>
-                                            <p:strVal val="ppt_y+0.329"/>
+                                            <p:strVal val="1+#ppt_h/2"/>
                                           </p:val>
                                         </p:tav>
                                         <p:tav tm="100000">
                                           <p:val>
-                                            <p:strVal val="ppt_y+0.333"/>
+                                            <p:strVal val="#ppt_y"/>
                                           </p:val>
                                         </p:tav>
                                       </p:tavLst>
                                     </p:anim>
-                                    <p:anim calcmode="lin" valueType="num">
-                                      <p:cBhvr>
-                                        <p:cTn id="20" dur="664" tmFilter="0, 0; 0.125,0.2665; 0.25,0.4; 0.375,0.465; 0.5,0.5;  0.625,0.535; 0.75,0.6; 0.875,0.7335; 1,1">
-                                          <p:stCondLst>
-                                            <p:cond delay="664"/>
-                                          </p:stCondLst>
-                                        </p:cTn>
-                                        <p:tgtEl>
-                                          <p:spTgt spid="6"/>
-                                        </p:tgtEl>
-                                        <p:attrNameLst>
-                                          <p:attrName>ppt_y</p:attrName>
-                                        </p:attrNameLst>
-                                      </p:cBhvr>
-                                      <p:tavLst>
-                                        <p:tav tm="0">
-                                          <p:val>
-                                            <p:strVal val="ppt_y"/>
-                                          </p:val>
-                                        </p:tav>
-                                        <p:tav tm="10000">
-                                          <p:val>
-                                            <p:strVal val="ppt_y-0.034"/>
-                                          </p:val>
-                                        </p:tav>
-                                        <p:tav tm="20000">
-                                          <p:val>
-                                            <p:strVal val="ppt_y-0.065"/>
-                                          </p:val>
-                                        </p:tav>
-                                        <p:tav tm="30000">
-                                          <p:val>
-                                            <p:strVal val="ppt_y-0.090"/>
-                                          </p:val>
-                                        </p:tav>
-                                        <p:tav tm="40000">
-                                          <p:val>
-                                            <p:strVal val="ppt_y-0.106"/>
-                                          </p:val>
-                                        </p:tav>
-                                        <p:tav tm="50000">
-                                          <p:val>
-                                            <p:strVal val="ppt_y-0.111"/>
-                                          </p:val>
-                                        </p:tav>
-                                        <p:tav tm="60000">
-                                          <p:val>
-                                            <p:strVal val="ppt_y-0.106"/>
-                                          </p:val>
-                                        </p:tav>
-                                        <p:tav tm="70000">
-                                          <p:val>
-                                            <p:strVal val="ppt_y-0.090"/>
-                                          </p:val>
-                                        </p:tav>
-                                        <p:tav tm="80000">
-                                          <p:val>
-                                            <p:strVal val="ppt_y-0.065"/>
-                                          </p:val>
-                                        </p:tav>
-                                        <p:tav tm="90000">
-                                          <p:val>
-                                            <p:strVal val="ppt_y-0.034"/>
-                                          </p:val>
-                                        </p:tav>
-                                        <p:tav tm="100000">
-                                          <p:val>
-                                            <p:strVal val="ppt_y"/>
-                                          </p:val>
-                                        </p:tav>
-                                      </p:tavLst>
-                                    </p:anim>
-                                    <p:anim calcmode="lin" valueType="num">
-                                      <p:cBhvr>
-                                        <p:cTn id="21" dur="332" tmFilter="0, 0; 0.125,0.2665; 0.25,0.4; 0.375,0.465; 0.5,0.5;  0.625,0.535; 0.75,0.6; 0.875,0.7335; 1,1">
-                                          <p:stCondLst>
-                                            <p:cond delay="1324"/>
-                                          </p:stCondLst>
-                                        </p:cTn>
-                                        <p:tgtEl>
-                                          <p:spTgt spid="6"/>
-                                        </p:tgtEl>
-                                        <p:attrNameLst>
-                                          <p:attrName>ppt_y</p:attrName>
-                                        </p:attrNameLst>
-                                      </p:cBhvr>
-                                      <p:tavLst>
-                                        <p:tav tm="0">
-                                          <p:val>
-                                            <p:strVal val="ppt_y"/>
-                                          </p:val>
-                                        </p:tav>
-                                        <p:tav tm="10000">
-                                          <p:val>
-                                            <p:strVal val="ppt_y-0.011"/>
-                                          </p:val>
-                                        </p:tav>
-                                        <p:tav tm="20000">
-                                          <p:val>
-                                            <p:strVal val="ppt_y-0.022"/>
-                                          </p:val>
-                                        </p:tav>
-                                        <p:tav tm="30000">
-                                          <p:val>
-                                            <p:strVal val="ppt_y-0.030"/>
-                                          </p:val>
-                                        </p:tav>
-                                        <p:tav tm="40000">
-                                          <p:val>
-                                            <p:strVal val="ppt_y-0.035"/>
-                                          </p:val>
-                                        </p:tav>
-                                        <p:tav tm="50000">
-                                          <p:val>
-                                            <p:strVal val="ppt_y-0.037"/>
-                                          </p:val>
-                                        </p:tav>
-                                        <p:tav tm="60000">
-                                          <p:val>
-                                            <p:strVal val="ppt_y-0.035"/>
-                                          </p:val>
-                                        </p:tav>
-                                        <p:tav tm="70000">
-                                          <p:val>
-                                            <p:strVal val="ppt_y-0.030"/>
-                                          </p:val>
-                                        </p:tav>
-                                        <p:tav tm="80000">
-                                          <p:val>
-                                            <p:strVal val="ppt_y-0.022"/>
-                                          </p:val>
-                                        </p:tav>
-                                        <p:tav tm="90000">
-                                          <p:val>
-                                            <p:strVal val="ppt_y-0.011"/>
-                                          </p:val>
-                                        </p:tav>
-                                        <p:tav tm="100000">
-                                          <p:val>
-                                            <p:strVal val="ppt_y"/>
-                                          </p:val>
-                                        </p:tav>
-                                      </p:tavLst>
-                                    </p:anim>
-                                    <p:anim calcmode="lin" valueType="num">
-                                      <p:cBhvr>
-                                        <p:cTn id="22" dur="164" tmFilter="0, 0; 0.125,0.2665; 0.25,0.4; 0.375,0.465; 0.5,0.5;  0.625,0.535; 0.75,0.6; 0.875,0.7335; 1,1">
-                                          <p:stCondLst>
-                                            <p:cond delay="1656"/>
-                                          </p:stCondLst>
-                                        </p:cTn>
-                                        <p:tgtEl>
-                                          <p:spTgt spid="6"/>
-                                        </p:tgtEl>
-                                        <p:attrNameLst>
-                                          <p:attrName>ppt_y</p:attrName>
-                                        </p:attrNameLst>
-                                      </p:cBhvr>
-                                      <p:tavLst>
-                                        <p:tav tm="0">
-                                          <p:val>
-                                            <p:strVal val="ppt_y"/>
-                                          </p:val>
-                                        </p:tav>
-                                        <p:tav tm="10000">
-                                          <p:val>
-                                            <p:strVal val="ppt_y-0.004"/>
-                                          </p:val>
-                                        </p:tav>
-                                        <p:tav tm="20000">
-                                          <p:val>
-                                            <p:strVal val="ppt_y-0.007"/>
-                                          </p:val>
-                                        </p:tav>
-                                        <p:tav tm="30000">
-                                          <p:val>
-                                            <p:strVal val="ppt_y-0.010"/>
-                                          </p:val>
-                                        </p:tav>
-                                        <p:tav tm="40000">
-                                          <p:val>
-                                            <p:strVal val="ppt_y-0.012"/>
-                                          </p:val>
-                                        </p:tav>
-                                        <p:tav tm="50000">
-                                          <p:val>
-                                            <p:strVal val="ppt_y-0.0123"/>
-                                          </p:val>
-                                        </p:tav>
-                                        <p:tav tm="60000">
-                                          <p:val>
-                                            <p:strVal val="ppt_y-0.012"/>
-                                          </p:val>
-                                        </p:tav>
-                                        <p:tav tm="70000">
-                                          <p:val>
-                                            <p:strVal val="ppt_y-0.010"/>
-                                          </p:val>
-                                        </p:tav>
-                                        <p:tav tm="80000">
-                                          <p:val>
-                                            <p:strVal val="ppt_y-0.007"/>
-                                          </p:val>
-                                        </p:tav>
-                                        <p:tav tm="90000">
-                                          <p:val>
-                                            <p:strVal val="ppt_y-0.004"/>
-                                          </p:val>
-                                        </p:tav>
-                                        <p:tav tm="100000">
-                                          <p:val>
-                                            <p:strVal val="ppt_y"/>
-                                          </p:val>
-                                        </p:tav>
-                                      </p:tavLst>
-                                    </p:anim>
-                                    <p:anim calcmode="lin" valueType="num">
-                                      <p:cBhvr>
-                                        <p:cTn id="23" dur="180" accel="50000">
-                                          <p:stCondLst>
-                                            <p:cond delay="1820"/>
-                                          </p:stCondLst>
-                                        </p:cTn>
-                                        <p:tgtEl>
-                                          <p:spTgt spid="6"/>
-                                        </p:tgtEl>
-                                        <p:attrNameLst>
-                                          <p:attrName>ppt_y</p:attrName>
-                                        </p:attrNameLst>
-                                      </p:cBhvr>
-                                      <p:tavLst>
-                                        <p:tav tm="0">
-                                          <p:val>
-                                            <p:strVal val="ppt_y"/>
-                                          </p:val>
-                                        </p:tav>
-                                        <p:tav tm="100000">
-                                          <p:val>
-                                            <p:strVal val="ppt_y+ppt_h"/>
-                                          </p:val>
-                                        </p:tav>
-                                      </p:tavLst>
-                                    </p:anim>
-                                    <p:animScale>
-                                      <p:cBhvr>
-                                        <p:cTn id="24" dur="26">
-                                          <p:stCondLst>
-                                            <p:cond delay="620"/>
-                                          </p:stCondLst>
-                                        </p:cTn>
-                                        <p:tgtEl>
-                                          <p:spTgt spid="6"/>
-                                        </p:tgtEl>
-                                      </p:cBhvr>
-                                      <p:to x="100000" y="60000"/>
-                                    </p:animScale>
-                                    <p:animScale>
-                                      <p:cBhvr>
-                                        <p:cTn id="25" dur="166" decel="50000">
-                                          <p:stCondLst>
-                                            <p:cond delay="646"/>
-                                          </p:stCondLst>
-                                        </p:cTn>
-                                        <p:tgtEl>
-                                          <p:spTgt spid="6"/>
-                                        </p:tgtEl>
-                                      </p:cBhvr>
-                                      <p:to x="100000" y="100000"/>
-                                    </p:animScale>
-                                    <p:animScale>
-                                      <p:cBhvr>
-                                        <p:cTn id="26" dur="26">
-                                          <p:stCondLst>
-                                            <p:cond delay="1312"/>
-                                          </p:stCondLst>
-                                        </p:cTn>
-                                        <p:tgtEl>
-                                          <p:spTgt spid="6"/>
-                                        </p:tgtEl>
-                                      </p:cBhvr>
-                                      <p:to x="100000" y="80000"/>
-                                    </p:animScale>
-                                    <p:animScale>
-                                      <p:cBhvr>
-                                        <p:cTn id="27" dur="166" decel="50000">
-                                          <p:stCondLst>
-                                            <p:cond delay="1338"/>
-                                          </p:stCondLst>
-                                        </p:cTn>
-                                        <p:tgtEl>
-                                          <p:spTgt spid="6"/>
-                                        </p:tgtEl>
-                                      </p:cBhvr>
-                                      <p:to x="100000" y="100000"/>
-                                    </p:animScale>
-                                    <p:animScale>
-                                      <p:cBhvr>
-                                        <p:cTn id="28" dur="26">
-                                          <p:stCondLst>
-                                            <p:cond delay="1642"/>
-                                          </p:stCondLst>
-                                        </p:cTn>
-                                        <p:tgtEl>
-                                          <p:spTgt spid="6"/>
-                                        </p:tgtEl>
-                                      </p:cBhvr>
-                                      <p:to x="100000" y="90000"/>
-                                    </p:animScale>
-                                    <p:animScale>
-                                      <p:cBhvr>
-                                        <p:cTn id="29" dur="166" decel="50000">
-                                          <p:stCondLst>
-                                            <p:cond delay="1668"/>
-                                          </p:stCondLst>
-                                        </p:cTn>
-                                        <p:tgtEl>
-                                          <p:spTgt spid="6"/>
-                                        </p:tgtEl>
-                                      </p:cBhvr>
-                                      <p:to x="100000" y="100000"/>
-                                    </p:animScale>
-                                    <p:animScale>
-                                      <p:cBhvr>
-                                        <p:cTn id="30" dur="26">
-                                          <p:stCondLst>
-                                            <p:cond delay="1808"/>
-                                          </p:stCondLst>
-                                        </p:cTn>
-                                        <p:tgtEl>
-                                          <p:spTgt spid="6"/>
-                                        </p:tgtEl>
-                                      </p:cBhvr>
-                                      <p:to x="100000" y="95000"/>
-                                    </p:animScale>
-                                    <p:animScale>
-                                      <p:cBhvr>
-                                        <p:cTn id="31" dur="166" decel="50000">
-                                          <p:stCondLst>
-                                            <p:cond delay="1834"/>
-                                          </p:stCondLst>
-                                        </p:cTn>
-                                        <p:tgtEl>
-                                          <p:spTgt spid="6"/>
-                                        </p:tgtEl>
-                                      </p:cBhvr>
-                                      <p:to x="100000" y="100000"/>
-                                    </p:animScale>
-                                    <p:set>
-                                      <p:cBhvr>
-                                        <p:cTn id="32" dur="1" fill="hold">
-                                          <p:stCondLst>
-                                            <p:cond delay="1999"/>
-                                          </p:stCondLst>
-                                        </p:cTn>
-                                        <p:tgtEl>
-                                          <p:spTgt spid="6"/>
-                                        </p:tgtEl>
-                                        <p:attrNameLst>
-                                          <p:attrName>style.visibility</p:attrName>
-                                        </p:attrNameLst>
-                                      </p:cBhvr>
-                                      <p:to>
-                                        <p:strVal val="hidden"/>
-                                      </p:to>
-                                    </p:set>
                                   </p:childTnLst>
                                 </p:cTn>
                               </p:par>
@@ -10027,32 +10728,36 @@
                     </p:cTn>
                   </p:par>
                   <p:par>
-                    <p:cTn id="33" fill="hold">
+                    <p:cTn id="22" fill="hold">
                       <p:stCondLst>
                         <p:cond delay="indefinite"/>
                       </p:stCondLst>
                       <p:childTnLst>
                         <p:par>
-                          <p:cTn id="34" fill="hold">
+                          <p:cTn id="23" fill="hold">
                             <p:stCondLst>
                               <p:cond delay="0"/>
                             </p:stCondLst>
                             <p:childTnLst>
                               <p:par>
-                                <p:cTn id="35" presetID="16" presetClass="entr" presetSubtype="21" fill="hold" nodeType="clickEffect">
+                                <p:cTn id="24" presetID="42" presetClass="entr" presetSubtype="0" fill="hold" nodeType="clickEffect">
                                   <p:stCondLst>
                                     <p:cond delay="0"/>
                                   </p:stCondLst>
                                   <p:childTnLst>
                                     <p:set>
                                       <p:cBhvr>
-                                        <p:cTn id="36" dur="1" fill="hold">
+                                        <p:cTn id="25" dur="1" fill="hold">
                                           <p:stCondLst>
                                             <p:cond delay="0"/>
                                           </p:stCondLst>
                                         </p:cTn>
                                         <p:tgtEl>
-                                          <p:spTgt spid="7"/>
+                                          <p:spTgt spid="3">
+                                            <p:txEl>
+                                              <p:pRg st="3" end="3"/>
+                                            </p:txEl>
+                                          </p:spTgt>
                                         </p:tgtEl>
                                         <p:attrNameLst>
                                           <p:attrName>style.visibility</p:attrName>
@@ -10062,11 +10767,1294 @@
                                         <p:strVal val="visible"/>
                                       </p:to>
                                     </p:set>
-                                    <p:animEffect transition="in" filter="barn(inVertical)">
-                                      <p:cBhvr>
-                                        <p:cTn id="37" dur="500"/>
+                                    <p:animEffect transition="in" filter="fade">
+                                      <p:cBhvr>
+                                        <p:cTn id="26" dur="1000"/>
+                                        <p:tgtEl>
+                                          <p:spTgt spid="3">
+                                            <p:txEl>
+                                              <p:pRg st="3" end="3"/>
+                                            </p:txEl>
+                                          </p:spTgt>
+                                        </p:tgtEl>
+                                      </p:cBhvr>
+                                    </p:animEffect>
+                                    <p:anim calcmode="lin" valueType="num">
+                                      <p:cBhvr>
+                                        <p:cTn id="27" dur="1000" fill="hold"/>
+                                        <p:tgtEl>
+                                          <p:spTgt spid="3">
+                                            <p:txEl>
+                                              <p:pRg st="3" end="3"/>
+                                            </p:txEl>
+                                          </p:spTgt>
+                                        </p:tgtEl>
+                                        <p:attrNameLst>
+                                          <p:attrName>ppt_x</p:attrName>
+                                        </p:attrNameLst>
+                                      </p:cBhvr>
+                                      <p:tavLst>
+                                        <p:tav tm="0">
+                                          <p:val>
+                                            <p:strVal val="#ppt_x"/>
+                                          </p:val>
+                                        </p:tav>
+                                        <p:tav tm="100000">
+                                          <p:val>
+                                            <p:strVal val="#ppt_x"/>
+                                          </p:val>
+                                        </p:tav>
+                                      </p:tavLst>
+                                    </p:anim>
+                                    <p:anim calcmode="lin" valueType="num">
+                                      <p:cBhvr>
+                                        <p:cTn id="28" dur="1000" fill="hold"/>
+                                        <p:tgtEl>
+                                          <p:spTgt spid="3">
+                                            <p:txEl>
+                                              <p:pRg st="3" end="3"/>
+                                            </p:txEl>
+                                          </p:spTgt>
+                                        </p:tgtEl>
+                                        <p:attrNameLst>
+                                          <p:attrName>ppt_y</p:attrName>
+                                        </p:attrNameLst>
+                                      </p:cBhvr>
+                                      <p:tavLst>
+                                        <p:tav tm="0">
+                                          <p:val>
+                                            <p:strVal val="#ppt_y+.1"/>
+                                          </p:val>
+                                        </p:tav>
+                                        <p:tav tm="100000">
+                                          <p:val>
+                                            <p:strVal val="#ppt_y"/>
+                                          </p:val>
+                                        </p:tav>
+                                      </p:tavLst>
+                                    </p:anim>
+                                  </p:childTnLst>
+                                </p:cTn>
+                              </p:par>
+                            </p:childTnLst>
+                          </p:cTn>
+                        </p:par>
+                      </p:childTnLst>
+                    </p:cTn>
+                  </p:par>
+                  <p:par>
+                    <p:cTn id="29" fill="hold">
+                      <p:stCondLst>
+                        <p:cond delay="indefinite"/>
+                      </p:stCondLst>
+                      <p:childTnLst>
+                        <p:par>
+                          <p:cTn id="30" fill="hold">
+                            <p:stCondLst>
+                              <p:cond delay="0"/>
+                            </p:stCondLst>
+                            <p:childTnLst>
+                              <p:par>
+                                <p:cTn id="31" presetID="22" presetClass="entr" presetSubtype="4" fill="hold" nodeType="clickEffect">
+                                  <p:stCondLst>
+                                    <p:cond delay="0"/>
+                                  </p:stCondLst>
+                                  <p:childTnLst>
+                                    <p:set>
+                                      <p:cBhvr>
+                                        <p:cTn id="32" dur="1" fill="hold">
+                                          <p:stCondLst>
+                                            <p:cond delay="0"/>
+                                          </p:stCondLst>
+                                        </p:cTn>
+                                        <p:tgtEl>
+                                          <p:spTgt spid="6"/>
+                                        </p:tgtEl>
+                                        <p:attrNameLst>
+                                          <p:attrName>style.visibility</p:attrName>
+                                        </p:attrNameLst>
+                                      </p:cBhvr>
+                                      <p:to>
+                                        <p:strVal val="visible"/>
+                                      </p:to>
+                                    </p:set>
+                                    <p:animEffect transition="in" filter="wipe(down)">
+                                      <p:cBhvr>
+                                        <p:cTn id="33" dur="500"/>
+                                        <p:tgtEl>
+                                          <p:spTgt spid="6"/>
+                                        </p:tgtEl>
+                                      </p:cBhvr>
+                                    </p:animEffect>
+                                  </p:childTnLst>
+                                </p:cTn>
+                              </p:par>
+                            </p:childTnLst>
+                          </p:cTn>
+                        </p:par>
+                      </p:childTnLst>
+                    </p:cTn>
+                  </p:par>
+                  <p:par>
+                    <p:cTn id="34" fill="hold">
+                      <p:stCondLst>
+                        <p:cond delay="indefinite"/>
+                      </p:stCondLst>
+                      <p:childTnLst>
+                        <p:par>
+                          <p:cTn id="35" fill="hold">
+                            <p:stCondLst>
+                              <p:cond delay="0"/>
+                            </p:stCondLst>
+                            <p:childTnLst>
+                              <p:par>
+                                <p:cTn id="36" presetID="2" presetClass="entr" presetSubtype="4" fill="hold" nodeType="clickEffect">
+                                  <p:stCondLst>
+                                    <p:cond delay="0"/>
+                                  </p:stCondLst>
+                                  <p:childTnLst>
+                                    <p:set>
+                                      <p:cBhvr>
+                                        <p:cTn id="37" dur="1" fill="hold">
+                                          <p:stCondLst>
+                                            <p:cond delay="0"/>
+                                          </p:stCondLst>
+                                        </p:cTn>
                                         <p:tgtEl>
                                           <p:spTgt spid="7"/>
+                                        </p:tgtEl>
+                                        <p:attrNameLst>
+                                          <p:attrName>style.visibility</p:attrName>
+                                        </p:attrNameLst>
+                                      </p:cBhvr>
+                                      <p:to>
+                                        <p:strVal val="visible"/>
+                                      </p:to>
+                                    </p:set>
+                                    <p:anim calcmode="lin" valueType="num">
+                                      <p:cBhvr additive="base">
+                                        <p:cTn id="38" dur="500" fill="hold"/>
+                                        <p:tgtEl>
+                                          <p:spTgt spid="7"/>
+                                        </p:tgtEl>
+                                        <p:attrNameLst>
+                                          <p:attrName>ppt_x</p:attrName>
+                                        </p:attrNameLst>
+                                      </p:cBhvr>
+                                      <p:tavLst>
+                                        <p:tav tm="0">
+                                          <p:val>
+                                            <p:strVal val="#ppt_x"/>
+                                          </p:val>
+                                        </p:tav>
+                                        <p:tav tm="100000">
+                                          <p:val>
+                                            <p:strVal val="#ppt_x"/>
+                                          </p:val>
+                                        </p:tav>
+                                      </p:tavLst>
+                                    </p:anim>
+                                    <p:anim calcmode="lin" valueType="num">
+                                      <p:cBhvr additive="base">
+                                        <p:cTn id="39" dur="500" fill="hold"/>
+                                        <p:tgtEl>
+                                          <p:spTgt spid="7"/>
+                                        </p:tgtEl>
+                                        <p:attrNameLst>
+                                          <p:attrName>ppt_y</p:attrName>
+                                        </p:attrNameLst>
+                                      </p:cBhvr>
+                                      <p:tavLst>
+                                        <p:tav tm="0">
+                                          <p:val>
+                                            <p:strVal val="1+#ppt_h/2"/>
+                                          </p:val>
+                                        </p:tav>
+                                        <p:tav tm="100000">
+                                          <p:val>
+                                            <p:strVal val="#ppt_y"/>
+                                          </p:val>
+                                        </p:tav>
+                                      </p:tavLst>
+                                    </p:anim>
+                                  </p:childTnLst>
+                                </p:cTn>
+                              </p:par>
+                            </p:childTnLst>
+                          </p:cTn>
+                        </p:par>
+                      </p:childTnLst>
+                    </p:cTn>
+                  </p:par>
+                  <p:par>
+                    <p:cTn id="40" fill="hold">
+                      <p:stCondLst>
+                        <p:cond delay="indefinite"/>
+                      </p:stCondLst>
+                      <p:childTnLst>
+                        <p:par>
+                          <p:cTn id="41" fill="hold">
+                            <p:stCondLst>
+                              <p:cond delay="0"/>
+                            </p:stCondLst>
+                            <p:childTnLst>
+                              <p:par>
+                                <p:cTn id="42" presetID="2" presetClass="entr" presetSubtype="4" fill="hold" nodeType="clickEffect">
+                                  <p:stCondLst>
+                                    <p:cond delay="0"/>
+                                  </p:stCondLst>
+                                  <p:childTnLst>
+                                    <p:set>
+                                      <p:cBhvr>
+                                        <p:cTn id="43" dur="1" fill="hold">
+                                          <p:stCondLst>
+                                            <p:cond delay="0"/>
+                                          </p:stCondLst>
+                                        </p:cTn>
+                                        <p:tgtEl>
+                                          <p:spTgt spid="8"/>
+                                        </p:tgtEl>
+                                        <p:attrNameLst>
+                                          <p:attrName>style.visibility</p:attrName>
+                                        </p:attrNameLst>
+                                      </p:cBhvr>
+                                      <p:to>
+                                        <p:strVal val="visible"/>
+                                      </p:to>
+                                    </p:set>
+                                    <p:anim calcmode="lin" valueType="num">
+                                      <p:cBhvr additive="base">
+                                        <p:cTn id="44" dur="500" fill="hold"/>
+                                        <p:tgtEl>
+                                          <p:spTgt spid="8"/>
+                                        </p:tgtEl>
+                                        <p:attrNameLst>
+                                          <p:attrName>ppt_x</p:attrName>
+                                        </p:attrNameLst>
+                                      </p:cBhvr>
+                                      <p:tavLst>
+                                        <p:tav tm="0">
+                                          <p:val>
+                                            <p:strVal val="#ppt_x"/>
+                                          </p:val>
+                                        </p:tav>
+                                        <p:tav tm="100000">
+                                          <p:val>
+                                            <p:strVal val="#ppt_x"/>
+                                          </p:val>
+                                        </p:tav>
+                                      </p:tavLst>
+                                    </p:anim>
+                                    <p:anim calcmode="lin" valueType="num">
+                                      <p:cBhvr additive="base">
+                                        <p:cTn id="45" dur="500" fill="hold"/>
+                                        <p:tgtEl>
+                                          <p:spTgt spid="8"/>
+                                        </p:tgtEl>
+                                        <p:attrNameLst>
+                                          <p:attrName>ppt_y</p:attrName>
+                                        </p:attrNameLst>
+                                      </p:cBhvr>
+                                      <p:tavLst>
+                                        <p:tav tm="0">
+                                          <p:val>
+                                            <p:strVal val="1+#ppt_h/2"/>
+                                          </p:val>
+                                        </p:tav>
+                                        <p:tav tm="100000">
+                                          <p:val>
+                                            <p:strVal val="#ppt_y"/>
+                                          </p:val>
+                                        </p:tav>
+                                      </p:tavLst>
+                                    </p:anim>
+                                  </p:childTnLst>
+                                </p:cTn>
+                              </p:par>
+                            </p:childTnLst>
+                          </p:cTn>
+                        </p:par>
+                      </p:childTnLst>
+                    </p:cTn>
+                  </p:par>
+                </p:childTnLst>
+              </p:cTn>
+              <p:prevCondLst>
+                <p:cond evt="onPrev" delay="0">
+                  <p:tgtEl>
+                    <p:sldTgt/>
+                  </p:tgtEl>
+                </p:cond>
+              </p:prevCondLst>
+              <p:nextCondLst>
+                <p:cond evt="onNext" delay="0">
+                  <p:tgtEl>
+                    <p:sldTgt/>
+                  </p:tgtEl>
+                </p:cond>
+              </p:nextCondLst>
+            </p:seq>
+          </p:childTnLst>
+        </p:cTn>
+      </p:par>
+    </p:tnLst>
+  </p:timing>
+</p:sld>
+</file>
+
+<file path=ppt/slides/slide13.xml><?xml version="1.0" encoding="utf-8"?>
+<p:sld xmlns:a="http://schemas.openxmlformats.org/drawingml/2006/main" xmlns:r="http://schemas.openxmlformats.org/officeDocument/2006/relationships" xmlns:p="http://schemas.openxmlformats.org/presentationml/2006/main">
+  <p:cSld>
+    <p:spTree>
+      <p:nvGrpSpPr>
+        <p:cNvPr id="1" name=""/>
+        <p:cNvGrpSpPr/>
+        <p:nvPr/>
+      </p:nvGrpSpPr>
+      <p:grpSpPr>
+        <a:xfrm>
+          <a:off x="0" y="0"/>
+          <a:ext cx="0" cy="0"/>
+          <a:chOff x="0" y="0"/>
+          <a:chExt cx="0" cy="0"/>
+        </a:xfrm>
+      </p:grpSpPr>
+      <p:sp>
+        <p:nvSpPr>
+          <p:cNvPr id="2" name="Title 1"/>
+          <p:cNvSpPr>
+            <a:spLocks noGrp="1"/>
+          </p:cNvSpPr>
+          <p:nvPr>
+            <p:ph type="title"/>
+          </p:nvPr>
+        </p:nvSpPr>
+        <p:spPr/>
+        <p:txBody>
+          <a:bodyPr/>
+          <a:lstStyle/>
+          <a:p>
+            <a:r>
+              <a:rPr lang="en-IN" dirty="0" smtClean="0"/>
+              <a:t>Require HTTPS /TLS </a:t>
+            </a:r>
+            <a:endParaRPr lang="en-IN" dirty="0"/>
+          </a:p>
+        </p:txBody>
+      </p:sp>
+      <p:sp>
+        <p:nvSpPr>
+          <p:cNvPr id="3" name="Content Placeholder 2"/>
+          <p:cNvSpPr>
+            <a:spLocks noGrp="1"/>
+          </p:cNvSpPr>
+          <p:nvPr>
+            <p:ph idx="1"/>
+          </p:nvPr>
+        </p:nvSpPr>
+        <p:spPr/>
+        <p:txBody>
+          <a:bodyPr/>
+          <a:lstStyle/>
+          <a:p>
+            <a:r>
+              <a:rPr lang="en-IN" dirty="0" smtClean="0"/>
+              <a:t> Some pages contain sensitive information </a:t>
+            </a:r>
+          </a:p>
+          <a:p>
+            <a:pPr lvl="2"/>
+            <a:r>
+              <a:rPr lang="en-IN" dirty="0" smtClean="0"/>
+              <a:t>Credit Card information </a:t>
+            </a:r>
+          </a:p>
+          <a:p>
+            <a:pPr lvl="2"/>
+            <a:r>
+              <a:rPr lang="en-IN" dirty="0" smtClean="0"/>
+              <a:t>Password </a:t>
+            </a:r>
+          </a:p>
+          <a:p>
+            <a:pPr lvl="2"/>
+            <a:r>
+              <a:rPr lang="en-IN" dirty="0" smtClean="0"/>
+              <a:t>Etc. </a:t>
+            </a:r>
+          </a:p>
+          <a:p>
+            <a:pPr lvl="2"/>
+            <a:r>
+              <a:rPr lang="en-IN" b="1" dirty="0" smtClean="0">
+                <a:solidFill>
+                  <a:srgbClr val="FF0000"/>
+                </a:solidFill>
+              </a:rPr>
+              <a:t>These must be prevented from </a:t>
+            </a:r>
+            <a:r>
+              <a:rPr lang="en-IN" b="1" i="1" u="sng" dirty="0" smtClean="0">
+                <a:solidFill>
+                  <a:srgbClr val="0070C0"/>
+                </a:solidFill>
+              </a:rPr>
+              <a:t>Man-in-Middle</a:t>
+            </a:r>
+            <a:r>
+              <a:rPr lang="en-IN" b="1" dirty="0" smtClean="0">
+                <a:solidFill>
+                  <a:srgbClr val="0070C0"/>
+                </a:solidFill>
+              </a:rPr>
+              <a:t> </a:t>
+            </a:r>
+            <a:r>
+              <a:rPr lang="en-IN" b="1" dirty="0" smtClean="0"/>
+              <a:t>attack </a:t>
+            </a:r>
+            <a:r>
+              <a:rPr lang="en-IN" b="1" dirty="0" smtClean="0">
+                <a:solidFill>
+                  <a:srgbClr val="FF0000"/>
+                </a:solidFill>
+              </a:rPr>
+              <a:t>– </a:t>
+            </a:r>
+            <a:r>
+              <a:rPr lang="en-IN" b="1" dirty="0" smtClean="0"/>
+              <a:t>Use</a:t>
+            </a:r>
+            <a:r>
+              <a:rPr lang="en-IN" b="1" dirty="0" smtClean="0">
+                <a:solidFill>
+                  <a:srgbClr val="FF0000"/>
+                </a:solidFill>
+              </a:rPr>
+              <a:t> </a:t>
+            </a:r>
+            <a:r>
+              <a:rPr lang="en-IN" b="1" dirty="0" smtClean="0">
+                <a:solidFill>
+                  <a:srgbClr val="002060"/>
+                </a:solidFill>
+              </a:rPr>
+              <a:t>TLS</a:t>
+            </a:r>
+            <a:r>
+              <a:rPr lang="en-IN" b="1" dirty="0" smtClean="0">
+                <a:solidFill>
+                  <a:srgbClr val="FF0000"/>
+                </a:solidFill>
+              </a:rPr>
+              <a:t> (</a:t>
+            </a:r>
+            <a:r>
+              <a:rPr lang="en-IN" b="1" dirty="0" smtClean="0">
+                <a:solidFill>
+                  <a:srgbClr val="002060"/>
+                </a:solidFill>
+              </a:rPr>
+              <a:t>https</a:t>
+            </a:r>
+            <a:r>
+              <a:rPr lang="en-IN" b="1" dirty="0" smtClean="0">
+                <a:solidFill>
+                  <a:srgbClr val="FF0000"/>
+                </a:solidFill>
+              </a:rPr>
+              <a:t>) </a:t>
+            </a:r>
+          </a:p>
+          <a:p>
+            <a:r>
+              <a:rPr lang="en-IN" dirty="0" smtClean="0"/>
+              <a:t>Spring can enforce channel to use HTTPS </a:t>
+            </a:r>
+          </a:p>
+          <a:p>
+            <a:pPr marL="0" indent="0">
+              <a:buNone/>
+            </a:pPr>
+            <a:endParaRPr lang="en-IN" dirty="0"/>
+          </a:p>
+        </p:txBody>
+      </p:sp>
+      <p:sp>
+        <p:nvSpPr>
+          <p:cNvPr id="4" name="Footer Placeholder 3"/>
+          <p:cNvSpPr>
+            <a:spLocks noGrp="1"/>
+          </p:cNvSpPr>
+          <p:nvPr>
+            <p:ph type="ftr" sz="quarter" idx="11"/>
+          </p:nvPr>
+        </p:nvSpPr>
+        <p:spPr/>
+        <p:txBody>
+          <a:bodyPr/>
+          <a:lstStyle/>
+          <a:p>
+            <a:r>
+              <a:rPr lang="en-US" smtClean="0">
+                <a:solidFill>
+                  <a:prstClr val="black"/>
+                </a:solidFill>
+              </a:rPr>
+              <a:t>https://github.com/trainerpb</a:t>
+            </a:r>
+            <a:endParaRPr lang="en-US" dirty="0">
+              <a:solidFill>
+                <a:prstClr val="black"/>
+              </a:solidFill>
+            </a:endParaRPr>
+          </a:p>
+        </p:txBody>
+      </p:sp>
+      <p:sp>
+        <p:nvSpPr>
+          <p:cNvPr id="5" name="Slide Number Placeholder 4"/>
+          <p:cNvSpPr>
+            <a:spLocks noGrp="1"/>
+          </p:cNvSpPr>
+          <p:nvPr>
+            <p:ph type="sldNum" sz="quarter" idx="12"/>
+          </p:nvPr>
+        </p:nvSpPr>
+        <p:spPr/>
+        <p:txBody>
+          <a:bodyPr/>
+          <a:lstStyle/>
+          <a:p>
+            <a:fld id="{401CF334-2D5C-4859-84A6-CA7E6E43FAEB}" type="slidenum">
+              <a:rPr lang="en-US" smtClean="0">
+                <a:solidFill>
+                  <a:prstClr val="black"/>
+                </a:solidFill>
+              </a:rPr>
+              <a:pPr/>
+              <a:t>13</a:t>
+            </a:fld>
+            <a:endParaRPr lang="en-US">
+              <a:solidFill>
+                <a:prstClr val="black"/>
+              </a:solidFill>
+            </a:endParaRPr>
+          </a:p>
+        </p:txBody>
+      </p:sp>
+      <p:pic>
+        <p:nvPicPr>
+          <p:cNvPr id="6" name="Picture 5"/>
+          <p:cNvPicPr>
+            <a:picLocks noChangeAspect="1"/>
+          </p:cNvPicPr>
+          <p:nvPr/>
+        </p:nvPicPr>
+        <p:blipFill>
+          <a:blip r:embed="rId2"/>
+          <a:stretch>
+            <a:fillRect/>
+          </a:stretch>
+        </p:blipFill>
+        <p:spPr>
+          <a:xfrm>
+            <a:off x="1191876" y="4622414"/>
+            <a:ext cx="8099994" cy="1404000"/>
+          </a:xfrm>
+          <a:prstGeom prst="rect">
+            <a:avLst/>
+          </a:prstGeom>
+          <a:ln>
+            <a:solidFill>
+              <a:srgbClr val="FF0000"/>
+            </a:solidFill>
+          </a:ln>
+        </p:spPr>
+      </p:pic>
+    </p:spTree>
+    <p:extLst>
+      <p:ext uri="{BB962C8B-B14F-4D97-AF65-F5344CB8AC3E}">
+        <p14:creationId xmlns:p14="http://schemas.microsoft.com/office/powerpoint/2010/main" val="2104316560"/>
+      </p:ext>
+    </p:extLst>
+  </p:cSld>
+  <p:clrMapOvr>
+    <a:masterClrMapping/>
+  </p:clrMapOvr>
+  <mc:AlternateContent xmlns:mc="http://schemas.openxmlformats.org/markup-compatibility/2006">
+    <mc:Choice xmlns:p14="http://schemas.microsoft.com/office/powerpoint/2010/main" Requires="p14">
+      <p:transition spd="med" p14:dur="700">
+        <p:fade/>
+      </p:transition>
+    </mc:Choice>
+    <mc:Fallback>
+      <p:transition spd="med">
+        <p:fade/>
+      </p:transition>
+    </mc:Fallback>
+  </mc:AlternateContent>
+  <p:timing>
+    <p:tnLst>
+      <p:par>
+        <p:cTn id="1" dur="indefinite" restart="never" nodeType="tmRoot">
+          <p:childTnLst>
+            <p:seq concurrent="1" nextAc="seek">
+              <p:cTn id="2" dur="indefinite" nodeType="mainSeq">
+                <p:childTnLst>
+                  <p:par>
+                    <p:cTn id="3" fill="hold">
+                      <p:stCondLst>
+                        <p:cond delay="indefinite"/>
+                      </p:stCondLst>
+                      <p:childTnLst>
+                        <p:par>
+                          <p:cTn id="4" fill="hold">
+                            <p:stCondLst>
+                              <p:cond delay="0"/>
+                            </p:stCondLst>
+                            <p:childTnLst>
+                              <p:par>
+                                <p:cTn id="5" presetID="2" presetClass="entr" presetSubtype="4" fill="hold" nodeType="clickEffect">
+                                  <p:stCondLst>
+                                    <p:cond delay="0"/>
+                                  </p:stCondLst>
+                                  <p:childTnLst>
+                                    <p:set>
+                                      <p:cBhvr>
+                                        <p:cTn id="6" dur="1" fill="hold">
+                                          <p:stCondLst>
+                                            <p:cond delay="0"/>
+                                          </p:stCondLst>
+                                        </p:cTn>
+                                        <p:tgtEl>
+                                          <p:spTgt spid="3">
+                                            <p:txEl>
+                                              <p:pRg st="0" end="0"/>
+                                            </p:txEl>
+                                          </p:spTgt>
+                                        </p:tgtEl>
+                                        <p:attrNameLst>
+                                          <p:attrName>style.visibility</p:attrName>
+                                        </p:attrNameLst>
+                                      </p:cBhvr>
+                                      <p:to>
+                                        <p:strVal val="visible"/>
+                                      </p:to>
+                                    </p:set>
+                                    <p:anim calcmode="lin" valueType="num">
+                                      <p:cBhvr additive="base">
+                                        <p:cTn id="7" dur="500" fill="hold"/>
+                                        <p:tgtEl>
+                                          <p:spTgt spid="3">
+                                            <p:txEl>
+                                              <p:pRg st="0" end="0"/>
+                                            </p:txEl>
+                                          </p:spTgt>
+                                        </p:tgtEl>
+                                        <p:attrNameLst>
+                                          <p:attrName>ppt_x</p:attrName>
+                                        </p:attrNameLst>
+                                      </p:cBhvr>
+                                      <p:tavLst>
+                                        <p:tav tm="0">
+                                          <p:val>
+                                            <p:strVal val="#ppt_x"/>
+                                          </p:val>
+                                        </p:tav>
+                                        <p:tav tm="100000">
+                                          <p:val>
+                                            <p:strVal val="#ppt_x"/>
+                                          </p:val>
+                                        </p:tav>
+                                      </p:tavLst>
+                                    </p:anim>
+                                    <p:anim calcmode="lin" valueType="num">
+                                      <p:cBhvr additive="base">
+                                        <p:cTn id="8" dur="500" fill="hold"/>
+                                        <p:tgtEl>
+                                          <p:spTgt spid="3">
+                                            <p:txEl>
+                                              <p:pRg st="0" end="0"/>
+                                            </p:txEl>
+                                          </p:spTgt>
+                                        </p:tgtEl>
+                                        <p:attrNameLst>
+                                          <p:attrName>ppt_y</p:attrName>
+                                        </p:attrNameLst>
+                                      </p:cBhvr>
+                                      <p:tavLst>
+                                        <p:tav tm="0">
+                                          <p:val>
+                                            <p:strVal val="1+#ppt_h/2"/>
+                                          </p:val>
+                                        </p:tav>
+                                        <p:tav tm="100000">
+                                          <p:val>
+                                            <p:strVal val="#ppt_y"/>
+                                          </p:val>
+                                        </p:tav>
+                                      </p:tavLst>
+                                    </p:anim>
+                                  </p:childTnLst>
+                                </p:cTn>
+                              </p:par>
+                            </p:childTnLst>
+                          </p:cTn>
+                        </p:par>
+                      </p:childTnLst>
+                    </p:cTn>
+                  </p:par>
+                  <p:par>
+                    <p:cTn id="9" fill="hold">
+                      <p:stCondLst>
+                        <p:cond delay="indefinite"/>
+                      </p:stCondLst>
+                      <p:childTnLst>
+                        <p:par>
+                          <p:cTn id="10" fill="hold">
+                            <p:stCondLst>
+                              <p:cond delay="0"/>
+                            </p:stCondLst>
+                            <p:childTnLst>
+                              <p:par>
+                                <p:cTn id="11" presetID="42" presetClass="entr" presetSubtype="0" fill="hold" nodeType="clickEffect">
+                                  <p:stCondLst>
+                                    <p:cond delay="0"/>
+                                  </p:stCondLst>
+                                  <p:childTnLst>
+                                    <p:set>
+                                      <p:cBhvr>
+                                        <p:cTn id="12" dur="1" fill="hold">
+                                          <p:stCondLst>
+                                            <p:cond delay="0"/>
+                                          </p:stCondLst>
+                                        </p:cTn>
+                                        <p:tgtEl>
+                                          <p:spTgt spid="3">
+                                            <p:txEl>
+                                              <p:pRg st="1" end="1"/>
+                                            </p:txEl>
+                                          </p:spTgt>
+                                        </p:tgtEl>
+                                        <p:attrNameLst>
+                                          <p:attrName>style.visibility</p:attrName>
+                                        </p:attrNameLst>
+                                      </p:cBhvr>
+                                      <p:to>
+                                        <p:strVal val="visible"/>
+                                      </p:to>
+                                    </p:set>
+                                    <p:animEffect transition="in" filter="fade">
+                                      <p:cBhvr>
+                                        <p:cTn id="13" dur="1000"/>
+                                        <p:tgtEl>
+                                          <p:spTgt spid="3">
+                                            <p:txEl>
+                                              <p:pRg st="1" end="1"/>
+                                            </p:txEl>
+                                          </p:spTgt>
+                                        </p:tgtEl>
+                                      </p:cBhvr>
+                                    </p:animEffect>
+                                    <p:anim calcmode="lin" valueType="num">
+                                      <p:cBhvr>
+                                        <p:cTn id="14" dur="1000" fill="hold"/>
+                                        <p:tgtEl>
+                                          <p:spTgt spid="3">
+                                            <p:txEl>
+                                              <p:pRg st="1" end="1"/>
+                                            </p:txEl>
+                                          </p:spTgt>
+                                        </p:tgtEl>
+                                        <p:attrNameLst>
+                                          <p:attrName>ppt_x</p:attrName>
+                                        </p:attrNameLst>
+                                      </p:cBhvr>
+                                      <p:tavLst>
+                                        <p:tav tm="0">
+                                          <p:val>
+                                            <p:strVal val="#ppt_x"/>
+                                          </p:val>
+                                        </p:tav>
+                                        <p:tav tm="100000">
+                                          <p:val>
+                                            <p:strVal val="#ppt_x"/>
+                                          </p:val>
+                                        </p:tav>
+                                      </p:tavLst>
+                                    </p:anim>
+                                    <p:anim calcmode="lin" valueType="num">
+                                      <p:cBhvr>
+                                        <p:cTn id="15" dur="1000" fill="hold"/>
+                                        <p:tgtEl>
+                                          <p:spTgt spid="3">
+                                            <p:txEl>
+                                              <p:pRg st="1" end="1"/>
+                                            </p:txEl>
+                                          </p:spTgt>
+                                        </p:tgtEl>
+                                        <p:attrNameLst>
+                                          <p:attrName>ppt_y</p:attrName>
+                                        </p:attrNameLst>
+                                      </p:cBhvr>
+                                      <p:tavLst>
+                                        <p:tav tm="0">
+                                          <p:val>
+                                            <p:strVal val="#ppt_y+.1"/>
+                                          </p:val>
+                                        </p:tav>
+                                        <p:tav tm="100000">
+                                          <p:val>
+                                            <p:strVal val="#ppt_y"/>
+                                          </p:val>
+                                        </p:tav>
+                                      </p:tavLst>
+                                    </p:anim>
+                                  </p:childTnLst>
+                                </p:cTn>
+                              </p:par>
+                            </p:childTnLst>
+                          </p:cTn>
+                        </p:par>
+                      </p:childTnLst>
+                    </p:cTn>
+                  </p:par>
+                  <p:par>
+                    <p:cTn id="16" fill="hold">
+                      <p:stCondLst>
+                        <p:cond delay="indefinite"/>
+                      </p:stCondLst>
+                      <p:childTnLst>
+                        <p:par>
+                          <p:cTn id="17" fill="hold">
+                            <p:stCondLst>
+                              <p:cond delay="0"/>
+                            </p:stCondLst>
+                            <p:childTnLst>
+                              <p:par>
+                                <p:cTn id="18" presetID="42" presetClass="entr" presetSubtype="0" fill="hold" nodeType="clickEffect">
+                                  <p:stCondLst>
+                                    <p:cond delay="0"/>
+                                  </p:stCondLst>
+                                  <p:childTnLst>
+                                    <p:set>
+                                      <p:cBhvr>
+                                        <p:cTn id="19" dur="1" fill="hold">
+                                          <p:stCondLst>
+                                            <p:cond delay="0"/>
+                                          </p:stCondLst>
+                                        </p:cTn>
+                                        <p:tgtEl>
+                                          <p:spTgt spid="3">
+                                            <p:txEl>
+                                              <p:pRg st="2" end="2"/>
+                                            </p:txEl>
+                                          </p:spTgt>
+                                        </p:tgtEl>
+                                        <p:attrNameLst>
+                                          <p:attrName>style.visibility</p:attrName>
+                                        </p:attrNameLst>
+                                      </p:cBhvr>
+                                      <p:to>
+                                        <p:strVal val="visible"/>
+                                      </p:to>
+                                    </p:set>
+                                    <p:animEffect transition="in" filter="fade">
+                                      <p:cBhvr>
+                                        <p:cTn id="20" dur="1000"/>
+                                        <p:tgtEl>
+                                          <p:spTgt spid="3">
+                                            <p:txEl>
+                                              <p:pRg st="2" end="2"/>
+                                            </p:txEl>
+                                          </p:spTgt>
+                                        </p:tgtEl>
+                                      </p:cBhvr>
+                                    </p:animEffect>
+                                    <p:anim calcmode="lin" valueType="num">
+                                      <p:cBhvr>
+                                        <p:cTn id="21" dur="1000" fill="hold"/>
+                                        <p:tgtEl>
+                                          <p:spTgt spid="3">
+                                            <p:txEl>
+                                              <p:pRg st="2" end="2"/>
+                                            </p:txEl>
+                                          </p:spTgt>
+                                        </p:tgtEl>
+                                        <p:attrNameLst>
+                                          <p:attrName>ppt_x</p:attrName>
+                                        </p:attrNameLst>
+                                      </p:cBhvr>
+                                      <p:tavLst>
+                                        <p:tav tm="0">
+                                          <p:val>
+                                            <p:strVal val="#ppt_x"/>
+                                          </p:val>
+                                        </p:tav>
+                                        <p:tav tm="100000">
+                                          <p:val>
+                                            <p:strVal val="#ppt_x"/>
+                                          </p:val>
+                                        </p:tav>
+                                      </p:tavLst>
+                                    </p:anim>
+                                    <p:anim calcmode="lin" valueType="num">
+                                      <p:cBhvr>
+                                        <p:cTn id="22" dur="1000" fill="hold"/>
+                                        <p:tgtEl>
+                                          <p:spTgt spid="3">
+                                            <p:txEl>
+                                              <p:pRg st="2" end="2"/>
+                                            </p:txEl>
+                                          </p:spTgt>
+                                        </p:tgtEl>
+                                        <p:attrNameLst>
+                                          <p:attrName>ppt_y</p:attrName>
+                                        </p:attrNameLst>
+                                      </p:cBhvr>
+                                      <p:tavLst>
+                                        <p:tav tm="0">
+                                          <p:val>
+                                            <p:strVal val="#ppt_y+.1"/>
+                                          </p:val>
+                                        </p:tav>
+                                        <p:tav tm="100000">
+                                          <p:val>
+                                            <p:strVal val="#ppt_y"/>
+                                          </p:val>
+                                        </p:tav>
+                                      </p:tavLst>
+                                    </p:anim>
+                                  </p:childTnLst>
+                                </p:cTn>
+                              </p:par>
+                            </p:childTnLst>
+                          </p:cTn>
+                        </p:par>
+                      </p:childTnLst>
+                    </p:cTn>
+                  </p:par>
+                  <p:par>
+                    <p:cTn id="23" fill="hold">
+                      <p:stCondLst>
+                        <p:cond delay="indefinite"/>
+                      </p:stCondLst>
+                      <p:childTnLst>
+                        <p:par>
+                          <p:cTn id="24" fill="hold">
+                            <p:stCondLst>
+                              <p:cond delay="0"/>
+                            </p:stCondLst>
+                            <p:childTnLst>
+                              <p:par>
+                                <p:cTn id="25" presetID="42" presetClass="entr" presetSubtype="0" fill="hold" nodeType="clickEffect">
+                                  <p:stCondLst>
+                                    <p:cond delay="0"/>
+                                  </p:stCondLst>
+                                  <p:childTnLst>
+                                    <p:set>
+                                      <p:cBhvr>
+                                        <p:cTn id="26" dur="1" fill="hold">
+                                          <p:stCondLst>
+                                            <p:cond delay="0"/>
+                                          </p:stCondLst>
+                                        </p:cTn>
+                                        <p:tgtEl>
+                                          <p:spTgt spid="3">
+                                            <p:txEl>
+                                              <p:pRg st="3" end="3"/>
+                                            </p:txEl>
+                                          </p:spTgt>
+                                        </p:tgtEl>
+                                        <p:attrNameLst>
+                                          <p:attrName>style.visibility</p:attrName>
+                                        </p:attrNameLst>
+                                      </p:cBhvr>
+                                      <p:to>
+                                        <p:strVal val="visible"/>
+                                      </p:to>
+                                    </p:set>
+                                    <p:animEffect transition="in" filter="fade">
+                                      <p:cBhvr>
+                                        <p:cTn id="27" dur="1000"/>
+                                        <p:tgtEl>
+                                          <p:spTgt spid="3">
+                                            <p:txEl>
+                                              <p:pRg st="3" end="3"/>
+                                            </p:txEl>
+                                          </p:spTgt>
+                                        </p:tgtEl>
+                                      </p:cBhvr>
+                                    </p:animEffect>
+                                    <p:anim calcmode="lin" valueType="num">
+                                      <p:cBhvr>
+                                        <p:cTn id="28" dur="1000" fill="hold"/>
+                                        <p:tgtEl>
+                                          <p:spTgt spid="3">
+                                            <p:txEl>
+                                              <p:pRg st="3" end="3"/>
+                                            </p:txEl>
+                                          </p:spTgt>
+                                        </p:tgtEl>
+                                        <p:attrNameLst>
+                                          <p:attrName>ppt_x</p:attrName>
+                                        </p:attrNameLst>
+                                      </p:cBhvr>
+                                      <p:tavLst>
+                                        <p:tav tm="0">
+                                          <p:val>
+                                            <p:strVal val="#ppt_x"/>
+                                          </p:val>
+                                        </p:tav>
+                                        <p:tav tm="100000">
+                                          <p:val>
+                                            <p:strVal val="#ppt_x"/>
+                                          </p:val>
+                                        </p:tav>
+                                      </p:tavLst>
+                                    </p:anim>
+                                    <p:anim calcmode="lin" valueType="num">
+                                      <p:cBhvr>
+                                        <p:cTn id="29" dur="1000" fill="hold"/>
+                                        <p:tgtEl>
+                                          <p:spTgt spid="3">
+                                            <p:txEl>
+                                              <p:pRg st="3" end="3"/>
+                                            </p:txEl>
+                                          </p:spTgt>
+                                        </p:tgtEl>
+                                        <p:attrNameLst>
+                                          <p:attrName>ppt_y</p:attrName>
+                                        </p:attrNameLst>
+                                      </p:cBhvr>
+                                      <p:tavLst>
+                                        <p:tav tm="0">
+                                          <p:val>
+                                            <p:strVal val="#ppt_y+.1"/>
+                                          </p:val>
+                                        </p:tav>
+                                        <p:tav tm="100000">
+                                          <p:val>
+                                            <p:strVal val="#ppt_y"/>
+                                          </p:val>
+                                        </p:tav>
+                                      </p:tavLst>
+                                    </p:anim>
+                                  </p:childTnLst>
+                                </p:cTn>
+                              </p:par>
+                            </p:childTnLst>
+                          </p:cTn>
+                        </p:par>
+                      </p:childTnLst>
+                    </p:cTn>
+                  </p:par>
+                  <p:par>
+                    <p:cTn id="30" fill="hold">
+                      <p:stCondLst>
+                        <p:cond delay="indefinite"/>
+                      </p:stCondLst>
+                      <p:childTnLst>
+                        <p:par>
+                          <p:cTn id="31" fill="hold">
+                            <p:stCondLst>
+                              <p:cond delay="0"/>
+                            </p:stCondLst>
+                            <p:childTnLst>
+                              <p:par>
+                                <p:cTn id="32" presetID="22" presetClass="entr" presetSubtype="4" fill="hold" nodeType="clickEffect">
+                                  <p:stCondLst>
+                                    <p:cond delay="0"/>
+                                  </p:stCondLst>
+                                  <p:childTnLst>
+                                    <p:set>
+                                      <p:cBhvr>
+                                        <p:cTn id="33" dur="1" fill="hold">
+                                          <p:stCondLst>
+                                            <p:cond delay="0"/>
+                                          </p:stCondLst>
+                                        </p:cTn>
+                                        <p:tgtEl>
+                                          <p:spTgt spid="3">
+                                            <p:txEl>
+                                              <p:pRg st="4" end="4"/>
+                                            </p:txEl>
+                                          </p:spTgt>
+                                        </p:tgtEl>
+                                        <p:attrNameLst>
+                                          <p:attrName>style.visibility</p:attrName>
+                                        </p:attrNameLst>
+                                      </p:cBhvr>
+                                      <p:to>
+                                        <p:strVal val="visible"/>
+                                      </p:to>
+                                    </p:set>
+                                    <p:animEffect transition="in" filter="wipe(down)">
+                                      <p:cBhvr>
+                                        <p:cTn id="34" dur="500"/>
+                                        <p:tgtEl>
+                                          <p:spTgt spid="3">
+                                            <p:txEl>
+                                              <p:pRg st="4" end="4"/>
+                                            </p:txEl>
+                                          </p:spTgt>
+                                        </p:tgtEl>
+                                      </p:cBhvr>
+                                    </p:animEffect>
+                                  </p:childTnLst>
+                                </p:cTn>
+                              </p:par>
+                            </p:childTnLst>
+                          </p:cTn>
+                        </p:par>
+                      </p:childTnLst>
+                    </p:cTn>
+                  </p:par>
+                  <p:par>
+                    <p:cTn id="35" fill="hold">
+                      <p:stCondLst>
+                        <p:cond delay="indefinite"/>
+                      </p:stCondLst>
+                      <p:childTnLst>
+                        <p:par>
+                          <p:cTn id="36" fill="hold">
+                            <p:stCondLst>
+                              <p:cond delay="0"/>
+                            </p:stCondLst>
+                            <p:childTnLst>
+                              <p:par>
+                                <p:cTn id="37" presetID="2" presetClass="entr" presetSubtype="4" fill="hold" nodeType="clickEffect">
+                                  <p:stCondLst>
+                                    <p:cond delay="0"/>
+                                  </p:stCondLst>
+                                  <p:childTnLst>
+                                    <p:set>
+                                      <p:cBhvr>
+                                        <p:cTn id="38" dur="1" fill="hold">
+                                          <p:stCondLst>
+                                            <p:cond delay="0"/>
+                                          </p:stCondLst>
+                                        </p:cTn>
+                                        <p:tgtEl>
+                                          <p:spTgt spid="3">
+                                            <p:txEl>
+                                              <p:pRg st="5" end="5"/>
+                                            </p:txEl>
+                                          </p:spTgt>
+                                        </p:tgtEl>
+                                        <p:attrNameLst>
+                                          <p:attrName>style.visibility</p:attrName>
+                                        </p:attrNameLst>
+                                      </p:cBhvr>
+                                      <p:to>
+                                        <p:strVal val="visible"/>
+                                      </p:to>
+                                    </p:set>
+                                    <p:anim calcmode="lin" valueType="num">
+                                      <p:cBhvr additive="base">
+                                        <p:cTn id="39" dur="500" fill="hold"/>
+                                        <p:tgtEl>
+                                          <p:spTgt spid="3">
+                                            <p:txEl>
+                                              <p:pRg st="5" end="5"/>
+                                            </p:txEl>
+                                          </p:spTgt>
+                                        </p:tgtEl>
+                                        <p:attrNameLst>
+                                          <p:attrName>ppt_x</p:attrName>
+                                        </p:attrNameLst>
+                                      </p:cBhvr>
+                                      <p:tavLst>
+                                        <p:tav tm="0">
+                                          <p:val>
+                                            <p:strVal val="#ppt_x"/>
+                                          </p:val>
+                                        </p:tav>
+                                        <p:tav tm="100000">
+                                          <p:val>
+                                            <p:strVal val="#ppt_x"/>
+                                          </p:val>
+                                        </p:tav>
+                                      </p:tavLst>
+                                    </p:anim>
+                                    <p:anim calcmode="lin" valueType="num">
+                                      <p:cBhvr additive="base">
+                                        <p:cTn id="40" dur="500" fill="hold"/>
+                                        <p:tgtEl>
+                                          <p:spTgt spid="3">
+                                            <p:txEl>
+                                              <p:pRg st="5" end="5"/>
+                                            </p:txEl>
+                                          </p:spTgt>
+                                        </p:tgtEl>
+                                        <p:attrNameLst>
+                                          <p:attrName>ppt_y</p:attrName>
+                                        </p:attrNameLst>
+                                      </p:cBhvr>
+                                      <p:tavLst>
+                                        <p:tav tm="0">
+                                          <p:val>
+                                            <p:strVal val="1+#ppt_h/2"/>
+                                          </p:val>
+                                        </p:tav>
+                                        <p:tav tm="100000">
+                                          <p:val>
+                                            <p:strVal val="#ppt_y"/>
+                                          </p:val>
+                                        </p:tav>
+                                      </p:tavLst>
+                                    </p:anim>
+                                  </p:childTnLst>
+                                </p:cTn>
+                              </p:par>
+                            </p:childTnLst>
+                          </p:cTn>
+                        </p:par>
+                      </p:childTnLst>
+                    </p:cTn>
+                  </p:par>
+                  <p:par>
+                    <p:cTn id="41" fill="hold">
+                      <p:stCondLst>
+                        <p:cond delay="indefinite"/>
+                      </p:stCondLst>
+                      <p:childTnLst>
+                        <p:par>
+                          <p:cTn id="42" fill="hold">
+                            <p:stCondLst>
+                              <p:cond delay="0"/>
+                            </p:stCondLst>
+                            <p:childTnLst>
+                              <p:par>
+                                <p:cTn id="43" presetID="21" presetClass="entr" presetSubtype="1" fill="hold" nodeType="clickEffect">
+                                  <p:stCondLst>
+                                    <p:cond delay="0"/>
+                                  </p:stCondLst>
+                                  <p:childTnLst>
+                                    <p:set>
+                                      <p:cBhvr>
+                                        <p:cTn id="44" dur="1" fill="hold">
+                                          <p:stCondLst>
+                                            <p:cond delay="0"/>
+                                          </p:stCondLst>
+                                        </p:cTn>
+                                        <p:tgtEl>
+                                          <p:spTgt spid="6"/>
+                                        </p:tgtEl>
+                                        <p:attrNameLst>
+                                          <p:attrName>style.visibility</p:attrName>
+                                        </p:attrNameLst>
+                                      </p:cBhvr>
+                                      <p:to>
+                                        <p:strVal val="visible"/>
+                                      </p:to>
+                                    </p:set>
+                                    <p:animEffect transition="in" filter="wheel(1)">
+                                      <p:cBhvr>
+                                        <p:cTn id="45" dur="2000"/>
+                                        <p:tgtEl>
+                                          <p:spTgt spid="6"/>
                                         </p:tgtEl>
                                       </p:cBhvr>
                                     </p:animEffect>
@@ -10222,9 +12210,51 @@
           <a:p>
             <a:r>
               <a:rPr lang="en-IN" dirty="0" smtClean="0"/>
-              <a:t>Intercepting requests and filters   </a:t>
-            </a:r>
-            <a:endParaRPr lang="en-IN" dirty="0"/>
+              <a:t>Intercepting requests </a:t>
+            </a:r>
+            <a:r>
+              <a:rPr lang="en-IN" dirty="0" smtClean="0"/>
+              <a:t>based on  IP Address (</a:t>
+            </a:r>
+            <a:r>
+              <a:rPr lang="en-IN" b="1" dirty="0" smtClean="0">
+                <a:solidFill>
+                  <a:srgbClr val="C00000"/>
+                </a:solidFill>
+              </a:rPr>
+              <a:t>Assignment</a:t>
+            </a:r>
+            <a:r>
+              <a:rPr lang="en-IN" dirty="0" smtClean="0"/>
+              <a:t>)</a:t>
+            </a:r>
+          </a:p>
+          <a:p>
+            <a:r>
+              <a:rPr lang="en-IN" i="1" dirty="0" smtClean="0"/>
+              <a:t>authenticated</a:t>
+            </a:r>
+            <a:r>
+              <a:rPr lang="en-IN" dirty="0" smtClean="0"/>
+              <a:t>() Vs. </a:t>
+            </a:r>
+            <a:r>
+              <a:rPr lang="en-IN" i="1" dirty="0" err="1" smtClean="0"/>
+              <a:t>fullyAuthenticated</a:t>
+            </a:r>
+            <a:r>
+              <a:rPr lang="en-IN" dirty="0" smtClean="0"/>
+              <a:t>() –(</a:t>
+            </a:r>
+            <a:r>
+              <a:rPr lang="en-IN" b="1" dirty="0" smtClean="0">
+                <a:solidFill>
+                  <a:srgbClr val="C00000"/>
+                </a:solidFill>
+              </a:rPr>
+              <a:t>Assignment</a:t>
+            </a:r>
+            <a:endParaRPr lang="en-IN" dirty="0" smtClean="0"/>
           </a:p>
         </p:txBody>
       </p:sp>
